--- a/190307_FPGA_KSY.pptx
+++ b/190307_FPGA_KSY.pptx
@@ -5,22 +5,23 @@
     <p:sldMasterId id="2147483682" r:id="rId1"/>
   </p:sldMasterIdLst>
   <p:notesMasterIdLst>
-    <p:notesMasterId r:id="rId12"/>
+    <p:notesMasterId r:id="rId13"/>
   </p:notesMasterIdLst>
   <p:handoutMasterIdLst>
-    <p:handoutMasterId r:id="rId13"/>
+    <p:handoutMasterId r:id="rId14"/>
   </p:handoutMasterIdLst>
   <p:sldIdLst>
     <p:sldId id="320" r:id="rId2"/>
     <p:sldId id="322" r:id="rId3"/>
-    <p:sldId id="334" r:id="rId4"/>
-    <p:sldId id="338" r:id="rId5"/>
-    <p:sldId id="337" r:id="rId6"/>
-    <p:sldId id="336" r:id="rId7"/>
-    <p:sldId id="333" r:id="rId8"/>
-    <p:sldId id="335" r:id="rId9"/>
-    <p:sldId id="339" r:id="rId10"/>
-    <p:sldId id="319" r:id="rId11"/>
+    <p:sldId id="340" r:id="rId4"/>
+    <p:sldId id="342" r:id="rId5"/>
+    <p:sldId id="341" r:id="rId6"/>
+    <p:sldId id="334" r:id="rId7"/>
+    <p:sldId id="338" r:id="rId8"/>
+    <p:sldId id="337" r:id="rId9"/>
+    <p:sldId id="336" r:id="rId10"/>
+    <p:sldId id="333" r:id="rId11"/>
+    <p:sldId id="319" r:id="rId12"/>
   </p:sldIdLst>
   <p:sldSz cx="9144000" cy="6858000" type="screen4x3"/>
   <p:notesSz cx="6797675" cy="9926638"/>
@@ -224,7 +225,7 @@
             <a:fld id="{BFA92CBD-83B1-4050-B004-7FBED4B9C4B4}" type="datetimeFigureOut">
               <a:rPr lang="ko-KR" altLang="en-US" smtClean="0"/>
               <a:pPr/>
-              <a:t>2019-03-07</a:t>
+              <a:t>2019-03-08</a:t>
             </a:fld>
             <a:endParaRPr lang="ko-KR" altLang="en-US" dirty="0"/>
           </a:p>
@@ -391,7 +392,7 @@
             <a:fld id="{B2FB1EC5-46DA-4362-B40D-91E371369A50}" type="datetimeFigureOut">
               <a:rPr lang="ko-KR" altLang="en-US" smtClean="0"/>
               <a:pPr/>
-              <a:t>2019-03-07</a:t>
+              <a:t>2019-03-08</a:t>
             </a:fld>
             <a:endParaRPr lang="ko-KR" altLang="en-US" dirty="0"/>
           </a:p>
@@ -815,7 +816,7 @@
             <a:fld id="{E830AE95-259A-457F-85D5-49134BA730C8}" type="slidenum">
               <a:rPr lang="ko-KR" altLang="en-US" smtClean="0"/>
               <a:pPr/>
-              <a:t>10</a:t>
+              <a:t>11</a:t>
             </a:fld>
             <a:endParaRPr lang="ko-KR" altLang="en-US" dirty="0"/>
           </a:p>
@@ -3182,6 +3183,494 @@
       </p:grpSpPr>
       <p:sp>
         <p:nvSpPr>
+          <p:cNvPr id="5" name="제목 4"/>
+          <p:cNvSpPr>
+            <a:spLocks noGrp="1"/>
+          </p:cNvSpPr>
+          <p:nvPr>
+            <p:ph type="title"/>
+          </p:nvPr>
+        </p:nvSpPr>
+        <p:spPr/>
+        <p:txBody>
+          <a:bodyPr/>
+          <a:lstStyle/>
+          <a:p>
+            <a:r>
+              <a:rPr lang="en-US" altLang="ko-KR" dirty="0" smtClean="0"/>
+              <a:t>5. RTL </a:t>
+            </a:r>
+            <a:r>
+              <a:rPr lang="ko-KR" altLang="en-US" dirty="0" smtClean="0"/>
+              <a:t>합성 및 구현</a:t>
+            </a:r>
+            <a:endParaRPr lang="ko-KR" altLang="en-US" dirty="0"/>
+          </a:p>
+        </p:txBody>
+      </p:sp>
+      <p:sp>
+        <p:nvSpPr>
+          <p:cNvPr id="4" name="타원 3"/>
+          <p:cNvSpPr/>
+          <p:nvPr/>
+        </p:nvSpPr>
+        <p:spPr>
+          <a:xfrm>
+            <a:off x="616286" y="4311832"/>
+            <a:ext cx="1728192" cy="1728192"/>
+          </a:xfrm>
+          <a:prstGeom prst="ellipse">
+            <a:avLst/>
+          </a:prstGeom>
+        </p:spPr>
+        <p:style>
+          <a:lnRef idx="2">
+            <a:schemeClr val="accent1">
+              <a:shade val="50000"/>
+            </a:schemeClr>
+          </a:lnRef>
+          <a:fillRef idx="1">
+            <a:schemeClr val="accent1"/>
+          </a:fillRef>
+          <a:effectRef idx="0">
+            <a:schemeClr val="accent1"/>
+          </a:effectRef>
+          <a:fontRef idx="minor">
+            <a:schemeClr val="lt1"/>
+          </a:fontRef>
+        </p:style>
+        <p:txBody>
+          <a:bodyPr rtlCol="0" anchor="ctr"/>
+          <a:lstStyle/>
+          <a:p>
+            <a:pPr algn="ctr"/>
+            <a:r>
+              <a:rPr lang="en-US" altLang="ko-KR" dirty="0" smtClean="0"/>
+              <a:t>HDL</a:t>
+            </a:r>
+            <a:endParaRPr lang="ko-KR" altLang="en-US" dirty="0"/>
+          </a:p>
+        </p:txBody>
+      </p:sp>
+      <p:sp>
+        <p:nvSpPr>
+          <p:cNvPr id="6" name="타원 5"/>
+          <p:cNvSpPr/>
+          <p:nvPr/>
+        </p:nvSpPr>
+        <p:spPr>
+          <a:xfrm>
+            <a:off x="3494243" y="4311832"/>
+            <a:ext cx="1728192" cy="1728192"/>
+          </a:xfrm>
+          <a:prstGeom prst="ellipse">
+            <a:avLst/>
+          </a:prstGeom>
+        </p:spPr>
+        <p:style>
+          <a:lnRef idx="2">
+            <a:schemeClr val="accent1">
+              <a:shade val="50000"/>
+            </a:schemeClr>
+          </a:lnRef>
+          <a:fillRef idx="1">
+            <a:schemeClr val="accent1"/>
+          </a:fillRef>
+          <a:effectRef idx="0">
+            <a:schemeClr val="accent1"/>
+          </a:effectRef>
+          <a:fontRef idx="minor">
+            <a:schemeClr val="lt1"/>
+          </a:fontRef>
+        </p:style>
+        <p:txBody>
+          <a:bodyPr rtlCol="0" anchor="ctr"/>
+          <a:lstStyle/>
+          <a:p>
+            <a:pPr algn="ctr"/>
+            <a:r>
+              <a:rPr lang="en-US" altLang="ko-KR" dirty="0" smtClean="0"/>
+              <a:t>Synthesis</a:t>
+            </a:r>
+            <a:endParaRPr lang="ko-KR" altLang="en-US" dirty="0"/>
+          </a:p>
+        </p:txBody>
+      </p:sp>
+      <p:sp>
+        <p:nvSpPr>
+          <p:cNvPr id="7" name="타원 6"/>
+          <p:cNvSpPr/>
+          <p:nvPr/>
+        </p:nvSpPr>
+        <p:spPr>
+          <a:xfrm>
+            <a:off x="6372200" y="4311832"/>
+            <a:ext cx="1728192" cy="1728192"/>
+          </a:xfrm>
+          <a:prstGeom prst="ellipse">
+            <a:avLst/>
+          </a:prstGeom>
+        </p:spPr>
+        <p:style>
+          <a:lnRef idx="2">
+            <a:schemeClr val="accent1">
+              <a:shade val="50000"/>
+            </a:schemeClr>
+          </a:lnRef>
+          <a:fillRef idx="1">
+            <a:schemeClr val="accent1"/>
+          </a:fillRef>
+          <a:effectRef idx="0">
+            <a:schemeClr val="accent1"/>
+          </a:effectRef>
+          <a:fontRef idx="minor">
+            <a:schemeClr val="lt1"/>
+          </a:fontRef>
+        </p:style>
+        <p:txBody>
+          <a:bodyPr rtlCol="0" anchor="ctr"/>
+          <a:lstStyle/>
+          <a:p>
+            <a:pPr algn="ctr"/>
+            <a:r>
+              <a:rPr lang="en-US" altLang="ko-KR" spc="-150" dirty="0" err="1" smtClean="0"/>
+              <a:t>Imple</a:t>
+            </a:r>
+            <a:endParaRPr lang="en-US" altLang="ko-KR" spc="-150" dirty="0" smtClean="0"/>
+          </a:p>
+          <a:p>
+            <a:pPr algn="ctr"/>
+            <a:r>
+              <a:rPr lang="en-US" altLang="ko-KR" spc="-150" dirty="0" smtClean="0"/>
+              <a:t>mentation</a:t>
+            </a:r>
+          </a:p>
+        </p:txBody>
+      </p:sp>
+      <p:cxnSp>
+        <p:nvCxnSpPr>
+          <p:cNvPr id="9" name="직선 화살표 연결선 8"/>
+          <p:cNvCxnSpPr>
+            <a:stCxn id="4" idx="6"/>
+            <a:endCxn id="6" idx="2"/>
+          </p:cNvCxnSpPr>
+          <p:nvPr/>
+        </p:nvCxnSpPr>
+        <p:spPr>
+          <a:xfrm>
+            <a:off x="2344478" y="5175928"/>
+            <a:ext cx="1149765" cy="0"/>
+          </a:xfrm>
+          <a:prstGeom prst="straightConnector1">
+            <a:avLst/>
+          </a:prstGeom>
+          <a:ln w="50800">
+            <a:solidFill>
+              <a:schemeClr val="tx1"/>
+            </a:solidFill>
+            <a:tailEnd type="triangle"/>
+          </a:ln>
+          <a:effectLst>
+            <a:outerShdw blurRad="50800" dist="38100" dir="2700000" algn="tl" rotWithShape="0">
+              <a:prstClr val="black">
+                <a:alpha val="40000"/>
+              </a:prstClr>
+            </a:outerShdw>
+          </a:effectLst>
+        </p:spPr>
+        <p:style>
+          <a:lnRef idx="1">
+            <a:schemeClr val="accent1"/>
+          </a:lnRef>
+          <a:fillRef idx="0">
+            <a:schemeClr val="accent1"/>
+          </a:fillRef>
+          <a:effectRef idx="0">
+            <a:schemeClr val="accent1"/>
+          </a:effectRef>
+          <a:fontRef idx="minor">
+            <a:schemeClr val="tx1"/>
+          </a:fontRef>
+        </p:style>
+      </p:cxnSp>
+      <p:cxnSp>
+        <p:nvCxnSpPr>
+          <p:cNvPr id="10" name="직선 화살표 연결선 9"/>
+          <p:cNvCxnSpPr>
+            <a:stCxn id="6" idx="6"/>
+            <a:endCxn id="7" idx="2"/>
+          </p:cNvCxnSpPr>
+          <p:nvPr/>
+        </p:nvCxnSpPr>
+        <p:spPr>
+          <a:xfrm>
+            <a:off x="5222435" y="5175928"/>
+            <a:ext cx="1149765" cy="0"/>
+          </a:xfrm>
+          <a:prstGeom prst="straightConnector1">
+            <a:avLst/>
+          </a:prstGeom>
+          <a:ln w="50800">
+            <a:solidFill>
+              <a:schemeClr val="tx1"/>
+            </a:solidFill>
+            <a:tailEnd type="triangle"/>
+          </a:ln>
+          <a:effectLst>
+            <a:outerShdw blurRad="50800" dist="38100" dir="2700000" algn="tl" rotWithShape="0">
+              <a:prstClr val="black">
+                <a:alpha val="40000"/>
+              </a:prstClr>
+            </a:outerShdw>
+          </a:effectLst>
+        </p:spPr>
+        <p:style>
+          <a:lnRef idx="1">
+            <a:schemeClr val="accent1"/>
+          </a:lnRef>
+          <a:fillRef idx="0">
+            <a:schemeClr val="accent1"/>
+          </a:fillRef>
+          <a:effectRef idx="0">
+            <a:schemeClr val="accent1"/>
+          </a:effectRef>
+          <a:fontRef idx="minor">
+            <a:schemeClr val="tx1"/>
+          </a:fontRef>
+        </p:style>
+      </p:cxnSp>
+      <p:sp>
+        <p:nvSpPr>
+          <p:cNvPr id="14" name="TextBox 13"/>
+          <p:cNvSpPr txBox="1"/>
+          <p:nvPr/>
+        </p:nvSpPr>
+        <p:spPr>
+          <a:xfrm>
+            <a:off x="683568" y="1052736"/>
+            <a:ext cx="7488832" cy="2585323"/>
+          </a:xfrm>
+          <a:prstGeom prst="rect">
+            <a:avLst/>
+          </a:prstGeom>
+          <a:noFill/>
+          <a:ln>
+            <a:solidFill>
+              <a:schemeClr val="tx1"/>
+            </a:solidFill>
+          </a:ln>
+        </p:spPr>
+        <p:txBody>
+          <a:bodyPr wrap="square" rtlCol="0">
+            <a:spAutoFit/>
+          </a:bodyPr>
+          <a:lstStyle/>
+          <a:p>
+            <a:r>
+              <a:rPr lang="ko-KR" altLang="en-US" dirty="0" smtClean="0"/>
+              <a:t>〮 </a:t>
+            </a:r>
+            <a:r>
+              <a:rPr lang="en-US" altLang="ko-KR" dirty="0" smtClean="0"/>
+              <a:t>HDL (Hardware Description Language)</a:t>
+            </a:r>
+          </a:p>
+          <a:p>
+            <a:r>
+              <a:rPr lang="en-US" altLang="ko-KR" dirty="0"/>
+              <a:t> </a:t>
+            </a:r>
+            <a:r>
+              <a:rPr lang="en-US" altLang="ko-KR" dirty="0" smtClean="0"/>
+              <a:t>- FPGA</a:t>
+            </a:r>
+            <a:r>
+              <a:rPr lang="ko-KR" altLang="en-US" dirty="0" smtClean="0"/>
+              <a:t>의 대표적인 하드웨어 기술 언어로 </a:t>
+            </a:r>
+            <a:r>
+              <a:rPr lang="en-US" altLang="ko-KR" dirty="0" smtClean="0"/>
+              <a:t>VHDL </a:t>
+            </a:r>
+            <a:r>
+              <a:rPr lang="ko-KR" altLang="en-US" dirty="0" smtClean="0"/>
+              <a:t>및 </a:t>
+            </a:r>
+            <a:r>
+              <a:rPr lang="en-US" altLang="ko-KR" dirty="0" smtClean="0"/>
+              <a:t>Verilog</a:t>
+            </a:r>
+            <a:r>
+              <a:rPr lang="ko-KR" altLang="en-US" dirty="0" smtClean="0"/>
+              <a:t>가 있음</a:t>
+            </a:r>
+            <a:r>
+              <a:rPr lang="en-US" altLang="ko-KR" dirty="0" smtClean="0"/>
+              <a:t>.</a:t>
+            </a:r>
+          </a:p>
+          <a:p>
+            <a:endParaRPr lang="en-US" altLang="ko-KR" dirty="0"/>
+          </a:p>
+          <a:p>
+            <a:r>
+              <a:rPr lang="ko-KR" altLang="en-US" dirty="0"/>
+              <a:t>〮 </a:t>
+            </a:r>
+            <a:r>
+              <a:rPr lang="en-US" altLang="ko-KR" dirty="0" smtClean="0"/>
+              <a:t>Synthesis (</a:t>
+            </a:r>
+            <a:r>
+              <a:rPr lang="ko-KR" altLang="en-US" dirty="0" smtClean="0"/>
+              <a:t>합성</a:t>
+            </a:r>
+            <a:r>
+              <a:rPr lang="en-US" altLang="ko-KR" dirty="0" smtClean="0"/>
+              <a:t>) </a:t>
+            </a:r>
+          </a:p>
+          <a:p>
+            <a:r>
+              <a:rPr lang="en-US" altLang="ko-KR" dirty="0"/>
+              <a:t> </a:t>
+            </a:r>
+            <a:r>
+              <a:rPr lang="en-US" altLang="ko-KR" dirty="0" smtClean="0"/>
+              <a:t>- HDL</a:t>
+            </a:r>
+            <a:r>
+              <a:rPr lang="ko-KR" altLang="en-US" dirty="0" smtClean="0"/>
+              <a:t>로 기술된 하드웨어 동작을 </a:t>
+            </a:r>
+            <a:r>
+              <a:rPr lang="en-US" altLang="ko-KR" dirty="0" smtClean="0"/>
+              <a:t>FPGA</a:t>
+            </a:r>
+            <a:r>
+              <a:rPr lang="ko-KR" altLang="en-US" dirty="0" smtClean="0"/>
+              <a:t>내 언어에 맞는 동작을 하는</a:t>
+            </a:r>
+            <a:endParaRPr lang="en-US" altLang="ko-KR" dirty="0" smtClean="0"/>
+          </a:p>
+          <a:p>
+            <a:r>
+              <a:rPr lang="en-US" altLang="ko-KR" dirty="0" smtClean="0"/>
+              <a:t> </a:t>
+            </a:r>
+            <a:r>
+              <a:rPr lang="ko-KR" altLang="en-US" dirty="0" smtClean="0"/>
+              <a:t>소자로 바꿔주는 역할을 함</a:t>
+            </a:r>
+            <a:r>
+              <a:rPr lang="en-US" altLang="ko-KR" dirty="0" smtClean="0"/>
+              <a:t>.</a:t>
+            </a:r>
+          </a:p>
+          <a:p>
+            <a:endParaRPr lang="en-US" altLang="ko-KR" dirty="0" smtClean="0"/>
+          </a:p>
+          <a:p>
+            <a:r>
+              <a:rPr lang="ko-KR" altLang="en-US" dirty="0"/>
+              <a:t>〮 </a:t>
+            </a:r>
+            <a:r>
+              <a:rPr lang="en-US" altLang="ko-KR" dirty="0" smtClean="0"/>
+              <a:t>implementation (</a:t>
+            </a:r>
+            <a:r>
+              <a:rPr lang="ko-KR" altLang="en-US" dirty="0" smtClean="0"/>
+              <a:t>구현</a:t>
+            </a:r>
+            <a:r>
+              <a:rPr lang="en-US" altLang="ko-KR" dirty="0" smtClean="0"/>
+              <a:t>) </a:t>
+            </a:r>
+          </a:p>
+          <a:p>
+            <a:r>
+              <a:rPr lang="en-US" altLang="ko-KR" dirty="0"/>
+              <a:t> </a:t>
+            </a:r>
+            <a:r>
+              <a:rPr lang="en-US" altLang="ko-KR" dirty="0" smtClean="0"/>
+              <a:t>- </a:t>
+            </a:r>
+            <a:r>
+              <a:rPr lang="ko-KR" altLang="en-US" dirty="0" smtClean="0"/>
+              <a:t>합성된 하드웨어 소자와 제어 및 설계된 포트</a:t>
+            </a:r>
+            <a:r>
+              <a:rPr lang="en-US" altLang="ko-KR" dirty="0" smtClean="0"/>
+              <a:t>, </a:t>
+            </a:r>
+            <a:r>
+              <a:rPr lang="ko-KR" altLang="en-US" dirty="0" smtClean="0"/>
+              <a:t>배선</a:t>
+            </a:r>
+            <a:r>
+              <a:rPr lang="en-US" altLang="ko-KR" dirty="0" smtClean="0"/>
+              <a:t>(</a:t>
+            </a:r>
+            <a:r>
+              <a:rPr lang="ko-KR" altLang="en-US" dirty="0" smtClean="0"/>
+              <a:t>배치</a:t>
+            </a:r>
+            <a:r>
+              <a:rPr lang="en-US" altLang="ko-KR" dirty="0" smtClean="0"/>
+              <a:t>)</a:t>
+            </a:r>
+            <a:r>
+              <a:rPr lang="ko-KR" altLang="en-US" dirty="0" smtClean="0"/>
+              <a:t>을 연결시킴</a:t>
+            </a:r>
+            <a:r>
+              <a:rPr lang="en-US" altLang="ko-KR" dirty="0" smtClean="0"/>
+              <a:t>.</a:t>
+            </a:r>
+          </a:p>
+        </p:txBody>
+      </p:sp>
+    </p:spTree>
+    <p:extLst>
+      <p:ext uri="{BB962C8B-B14F-4D97-AF65-F5344CB8AC3E}">
+        <p14:creationId xmlns:p14="http://schemas.microsoft.com/office/powerpoint/2010/main" val="292566546"/>
+      </p:ext>
+    </p:extLst>
+  </p:cSld>
+  <p:clrMapOvr>
+    <a:masterClrMapping/>
+  </p:clrMapOvr>
+  <p:timing>
+    <p:tnLst>
+      <p:par>
+        <p:cTn id="1" dur="indefinite" restart="never" nodeType="tmRoot"/>
+      </p:par>
+    </p:tnLst>
+  </p:timing>
+</p:sld>
+</file>
+
+<file path=ppt/slides/slide11.xml><?xml version="1.0" encoding="utf-8"?>
+<p:sld xmlns:a="http://schemas.openxmlformats.org/drawingml/2006/main" xmlns:r="http://schemas.openxmlformats.org/officeDocument/2006/relationships" xmlns:p="http://schemas.openxmlformats.org/presentationml/2006/main">
+  <p:cSld>
+    <p:spTree>
+      <p:nvGrpSpPr>
+        <p:cNvPr id="1" name=""/>
+        <p:cNvGrpSpPr/>
+        <p:nvPr/>
+      </p:nvGrpSpPr>
+      <p:grpSpPr>
+        <a:xfrm>
+          <a:off x="0" y="0"/>
+          <a:ext cx="0" cy="0"/>
+          <a:chOff x="0" y="0"/>
+          <a:chExt cx="0" cy="0"/>
+        </a:xfrm>
+      </p:grpSpPr>
+      <p:sp>
+        <p:nvSpPr>
           <p:cNvPr id="2" name="슬라이드 번호 개체 틀 1"/>
           <p:cNvSpPr>
             <a:spLocks noGrp="1"/>
@@ -3206,7 +3695,7 @@
             <a:fld id="{37BF4AA1-2B5D-4FE3-8E3E-9FFA45C2E7C9}" type="slidenum">
               <a:rPr lang="ko-KR" altLang="en-US" smtClean="0"/>
               <a:pPr/>
-              <a:t>10</a:t>
+              <a:t>11</a:t>
             </a:fld>
             <a:endParaRPr lang="ko-KR" altLang="en-US" dirty="0"/>
           </a:p>
@@ -3309,8 +3798,8 @@
         </p:nvSpPr>
         <p:spPr>
           <a:xfrm>
-            <a:off x="3851920" y="476672"/>
-            <a:ext cx="4320480" cy="3354765"/>
+            <a:off x="4173908" y="1412776"/>
+            <a:ext cx="4320480" cy="3631763"/>
           </a:xfrm>
           <a:prstGeom prst="rect">
             <a:avLst/>
@@ -3331,7 +3820,7 @@
             <a:endParaRPr lang="en-US" altLang="ko-KR" sz="3200" dirty="0" smtClean="0"/>
           </a:p>
           <a:p>
-            <a:endParaRPr lang="en-US" altLang="ko-KR" dirty="0" smtClean="0"/>
+            <a:endParaRPr lang="en-US" altLang="ko-KR" b="1" dirty="0" smtClean="0"/>
           </a:p>
           <a:p>
             <a:pPr marL="342900" indent="-342900">
@@ -3339,13 +3828,31 @@
             </a:pPr>
             <a:r>
               <a:rPr lang="en-US" altLang="ko-KR" b="1" dirty="0" smtClean="0"/>
-              <a:t>Zybo-20 (zynq</a:t>
-            </a:r>
+              <a:t>What is FPGA?</a:t>
+            </a:r>
+          </a:p>
+          <a:p>
+            <a:pPr marL="342900" indent="-342900">
+              <a:buAutoNum type="arabicPeriod"/>
+            </a:pPr>
+            <a:endParaRPr lang="en-US" altLang="ko-KR" b="1" dirty="0"/>
+          </a:p>
+          <a:p>
+            <a:pPr marL="342900" indent="-342900">
+              <a:buAutoNum type="arabicPeriod"/>
+            </a:pPr>
             <a:r>
               <a:rPr lang="en-US" altLang="ko-KR" b="1" dirty="0" smtClean="0"/>
-              <a:t>-7020)</a:t>
-            </a:r>
-            <a:endParaRPr lang="en-US" altLang="ko-KR" b="1" dirty="0" smtClean="0"/>
+              <a:t>What is </a:t>
+            </a:r>
+            <a:r>
+              <a:rPr lang="en-US" altLang="ko-KR" b="1" dirty="0" err="1" smtClean="0"/>
+              <a:t>Zynq</a:t>
+            </a:r>
+            <a:r>
+              <a:rPr lang="en-US" altLang="ko-KR" b="1" dirty="0" smtClean="0"/>
+              <a:t>?</a:t>
+            </a:r>
           </a:p>
           <a:p>
             <a:pPr marL="342900" indent="-342900">
@@ -3359,15 +3866,26 @@
             </a:pPr>
             <a:r>
               <a:rPr lang="en-US" altLang="ko-KR" b="1" dirty="0" smtClean="0"/>
+              <a:t>Zybo-20 (zynq-7020)</a:t>
+            </a:r>
+          </a:p>
+          <a:p>
+            <a:pPr marL="342900" indent="-342900">
+              <a:buAutoNum type="arabicPeriod"/>
+            </a:pPr>
+            <a:endParaRPr lang="en-US" altLang="ko-KR" b="1" dirty="0" smtClean="0"/>
+          </a:p>
+          <a:p>
+            <a:pPr marL="342900" indent="-342900">
+              <a:buAutoNum type="arabicPeriod"/>
+            </a:pPr>
+            <a:r>
+              <a:rPr lang="en-US" altLang="ko-KR" b="1" dirty="0" smtClean="0"/>
               <a:t>Verilog </a:t>
             </a:r>
             <a:r>
               <a:rPr lang="ko-KR" altLang="en-US" b="1" dirty="0" smtClean="0"/>
-              <a:t>기본 </a:t>
-            </a:r>
-            <a:r>
-              <a:rPr lang="ko-KR" altLang="en-US" b="1" dirty="0" smtClean="0"/>
-              <a:t>문법</a:t>
+              <a:t>기본 문법</a:t>
             </a:r>
             <a:endParaRPr lang="en-US" altLang="ko-KR" b="1" dirty="0" smtClean="0"/>
           </a:p>
@@ -3394,42 +3912,7 @@
               <a:rPr lang="ko-KR" altLang="en-US" b="1" dirty="0" smtClean="0"/>
               <a:t>구현</a:t>
             </a:r>
-            <a:endParaRPr lang="en-US" altLang="ko-KR" b="1" dirty="0" smtClean="0"/>
-          </a:p>
-          <a:p>
-            <a:pPr marL="342900" indent="-342900">
-              <a:buAutoNum type="arabicPeriod"/>
-            </a:pPr>
-            <a:endParaRPr lang="en-US" altLang="ko-KR" b="1" dirty="0" smtClean="0"/>
-          </a:p>
-          <a:p>
-            <a:pPr marL="342900" indent="-342900">
-              <a:buAutoNum type="arabicPeriod"/>
-            </a:pPr>
-            <a:r>
-              <a:rPr lang="en-US" altLang="ko-KR" b="1" dirty="0" smtClean="0"/>
-              <a:t>Verilog HDL </a:t>
-            </a:r>
-            <a:r>
-              <a:rPr lang="ko-KR" altLang="en-US" b="1" dirty="0" smtClean="0"/>
-              <a:t>예제</a:t>
-            </a:r>
-            <a:endParaRPr lang="en-US" altLang="ko-KR" dirty="0"/>
-          </a:p>
-          <a:p>
-            <a:pPr lvl="1"/>
-            <a:r>
-              <a:rPr lang="en-US" altLang="ko-KR" dirty="0" smtClean="0"/>
-              <a:t>1) GPIO </a:t>
-            </a:r>
-            <a:r>
-              <a:rPr lang="ko-KR" altLang="en-US" dirty="0" smtClean="0"/>
-              <a:t>제어</a:t>
-            </a:r>
-            <a:r>
-              <a:rPr lang="en-US" altLang="ko-KR" dirty="0" smtClean="0"/>
-              <a:t>( LED ON–OFF )</a:t>
-            </a:r>
+            <a:endParaRPr lang="en-US" altLang="ko-KR" dirty="0" smtClean="0"/>
           </a:p>
           <a:p>
             <a:pPr lvl="1"/>
@@ -3447,6 +3930,13 @@
   <p:clrMapOvr>
     <a:masterClrMapping/>
   </p:clrMapOvr>
+  <p:timing>
+    <p:tnLst>
+      <p:par>
+        <p:cTn id="1" dur="indefinite" restart="never" nodeType="tmRoot"/>
+      </p:par>
+    </p:tnLst>
+  </p:timing>
 </p:sld>
 </file>
 
@@ -3469,6 +3959,34 @@
       </p:grpSpPr>
       <p:sp>
         <p:nvSpPr>
+          <p:cNvPr id="5" name="제목 4"/>
+          <p:cNvSpPr>
+            <a:spLocks noGrp="1"/>
+          </p:cNvSpPr>
+          <p:nvPr>
+            <p:ph type="title"/>
+          </p:nvPr>
+        </p:nvSpPr>
+        <p:spPr>
+          <a:xfrm>
+            <a:off x="397898" y="48552"/>
+            <a:ext cx="6622374" cy="582594"/>
+          </a:xfrm>
+        </p:spPr>
+        <p:txBody>
+          <a:bodyPr/>
+          <a:lstStyle/>
+          <a:p>
+            <a:r>
+              <a:rPr lang="en-US" altLang="ko-KR" dirty="0" smtClean="0"/>
+              <a:t>1.  What is FPGA?</a:t>
+            </a:r>
+            <a:endParaRPr lang="en-US" altLang="ko-KR" sz="2400" dirty="0"/>
+          </a:p>
+        </p:txBody>
+      </p:sp>
+      <p:sp>
+        <p:nvSpPr>
           <p:cNvPr id="2" name="슬라이드 번호 개체 틀 1"/>
           <p:cNvSpPr>
             <a:spLocks noGrp="1"/>
@@ -3496,48 +4014,74 @@
           </a:p>
         </p:txBody>
       </p:sp>
-      <p:sp>
-        <p:nvSpPr>
-          <p:cNvPr id="5" name="제목 4"/>
-          <p:cNvSpPr>
-            <a:spLocks noGrp="1"/>
-          </p:cNvSpPr>
-          <p:nvPr>
-            <p:ph type="title"/>
-          </p:nvPr>
-        </p:nvSpPr>
-        <p:spPr/>
-        <p:txBody>
-          <a:bodyPr/>
-          <a:lstStyle/>
-          <a:p>
-            <a:r>
-              <a:rPr lang="en-US" altLang="ko-KR" dirty="0" smtClean="0"/>
-              <a:t>1. Zybo</a:t>
-            </a:r>
-            <a:r>
-              <a:rPr lang="en-US" altLang="ko-KR" dirty="0" smtClean="0"/>
-              <a:t>-20 (Zynq-7020)</a:t>
-            </a:r>
-            <a:endParaRPr lang="ko-KR" altLang="en-US" dirty="0"/>
-          </a:p>
-        </p:txBody>
-      </p:sp>
-      <p:sp>
-        <p:nvSpPr>
-          <p:cNvPr id="8" name="TextBox 7"/>
+      <p:pic>
+        <p:nvPicPr>
+          <p:cNvPr id="18" name="그림 17"/>
+          <p:cNvPicPr>
+            <a:picLocks noChangeAspect="1"/>
+          </p:cNvPicPr>
+          <p:nvPr/>
+        </p:nvPicPr>
+        <p:blipFill>
+          <a:blip r:embed="rId2"/>
+          <a:stretch>
+            <a:fillRect/>
+          </a:stretch>
+        </p:blipFill>
+        <p:spPr>
+          <a:xfrm>
+            <a:off x="539552" y="3861047"/>
+            <a:ext cx="1762125" cy="1802285"/>
+          </a:xfrm>
+          <a:prstGeom prst="rect">
+            <a:avLst/>
+          </a:prstGeom>
+        </p:spPr>
+      </p:pic>
+      <p:pic>
+        <p:nvPicPr>
+          <p:cNvPr id="19" name="그림 18"/>
+          <p:cNvPicPr>
+            <a:picLocks noChangeAspect="1"/>
+          </p:cNvPicPr>
+          <p:nvPr/>
+        </p:nvPicPr>
+        <p:blipFill>
+          <a:blip r:embed="rId3"/>
+          <a:stretch>
+            <a:fillRect/>
+          </a:stretch>
+        </p:blipFill>
+        <p:spPr>
+          <a:xfrm>
+            <a:off x="2921212" y="3861047"/>
+            <a:ext cx="2432715" cy="1802285"/>
+          </a:xfrm>
+          <a:prstGeom prst="rect">
+            <a:avLst/>
+          </a:prstGeom>
+        </p:spPr>
+      </p:pic>
+      <p:sp>
+        <p:nvSpPr>
+          <p:cNvPr id="20" name="TextBox 19"/>
           <p:cNvSpPr txBox="1"/>
           <p:nvPr/>
         </p:nvSpPr>
         <p:spPr>
           <a:xfrm>
-            <a:off x="397899" y="764704"/>
-            <a:ext cx="8278557" cy="369332"/>
+            <a:off x="683568" y="836712"/>
+            <a:ext cx="7344816" cy="1754326"/>
           </a:xfrm>
           <a:prstGeom prst="rect">
             <a:avLst/>
           </a:prstGeom>
           <a:noFill/>
+          <a:ln>
+            <a:solidFill>
+              <a:schemeClr val="tx1"/>
+            </a:solidFill>
+          </a:ln>
         </p:spPr>
         <p:txBody>
           <a:bodyPr wrap="square" rtlCol="0">
@@ -3545,21 +4089,103 @@
           </a:bodyPr>
           <a:lstStyle/>
           <a:p>
-            <a:pPr marL="342900" indent="-342900">
-              <a:buAutoNum type="arabicParenR"/>
-            </a:pPr>
-            <a:r>
-              <a:rPr lang="en-US" altLang="ko-KR" dirty="0" smtClean="0"/>
-              <a:t>D</a:t>
+            <a:r>
+              <a:rPr lang="en-US" altLang="ko-KR" dirty="0" smtClean="0"/>
+              <a:t>FPGA(field programmable gate array)</a:t>
+            </a:r>
+          </a:p>
+          <a:p>
+            <a:r>
+              <a:rPr lang="en-US" altLang="ko-KR" dirty="0"/>
+              <a:t> </a:t>
+            </a:r>
+            <a:r>
+              <a:rPr lang="en-US" altLang="ko-KR" dirty="0" smtClean="0"/>
+              <a:t>- </a:t>
+            </a:r>
+            <a:r>
+              <a:rPr lang="ko-KR" altLang="en-US" dirty="0" smtClean="0"/>
+              <a:t>설계 가능한 논리 소자</a:t>
+            </a:r>
+            <a:r>
+              <a:rPr lang="en-US" altLang="ko-KR" dirty="0" smtClean="0"/>
+              <a:t>(AND, OR, XOR, NOT </a:t>
+            </a:r>
+            <a:r>
+              <a:rPr lang="ko-KR" altLang="en-US" dirty="0" smtClean="0"/>
+              <a:t>등</a:t>
+            </a:r>
+            <a:r>
+              <a:rPr lang="en-US" altLang="ko-KR" dirty="0" smtClean="0"/>
+              <a:t>)</a:t>
+            </a:r>
+            <a:r>
+              <a:rPr lang="ko-KR" altLang="en-US" dirty="0" smtClean="0"/>
+              <a:t>과 프로그래밍이 가능한 내부 회로가 포함된 반도체 소자</a:t>
+            </a:r>
+            <a:r>
+              <a:rPr lang="en-US" altLang="ko-KR" dirty="0" smtClean="0"/>
+              <a:t>.</a:t>
+            </a:r>
+          </a:p>
+          <a:p>
+            <a:endParaRPr lang="en-US" altLang="ko-KR" dirty="0"/>
+          </a:p>
+          <a:p>
+            <a:r>
+              <a:rPr lang="en-US" altLang="ko-KR" dirty="0" smtClean="0"/>
+              <a:t>Field</a:t>
+            </a:r>
+            <a:r>
+              <a:rPr lang="ko-KR" altLang="en-US" dirty="0" smtClean="0"/>
+              <a:t>란 말은 논리 블록을 시스템 설계자가 요구하는 대로</a:t>
+            </a:r>
+            <a:r>
+              <a:rPr lang="en-US" altLang="ko-KR" dirty="0"/>
+              <a:t> </a:t>
             </a:r>
             <a:endParaRPr lang="en-US" altLang="ko-KR" dirty="0" smtClean="0"/>
           </a:p>
+          <a:p>
+            <a:r>
+              <a:rPr lang="ko-KR" altLang="en-US" dirty="0" smtClean="0"/>
+              <a:t>내부를 연결할 수 있음을 말함</a:t>
+            </a:r>
+            <a:r>
+              <a:rPr lang="en-US" altLang="ko-KR" dirty="0" smtClean="0"/>
+              <a:t>.</a:t>
+            </a:r>
+          </a:p>
         </p:txBody>
       </p:sp>
+      <p:pic>
+        <p:nvPicPr>
+          <p:cNvPr id="21" name="그림 20"/>
+          <p:cNvPicPr>
+            <a:picLocks noChangeAspect="1"/>
+          </p:cNvPicPr>
+          <p:nvPr/>
+        </p:nvPicPr>
+        <p:blipFill>
+          <a:blip r:embed="rId4"/>
+          <a:stretch>
+            <a:fillRect/>
+          </a:stretch>
+        </p:blipFill>
+        <p:spPr>
+          <a:xfrm>
+            <a:off x="5973462" y="3861048"/>
+            <a:ext cx="2500229" cy="1802285"/>
+          </a:xfrm>
+          <a:prstGeom prst="rect">
+            <a:avLst/>
+          </a:prstGeom>
+        </p:spPr>
+      </p:pic>
     </p:spTree>
     <p:extLst>
       <p:ext uri="{BB962C8B-B14F-4D97-AF65-F5344CB8AC3E}">
-        <p14:creationId xmlns:p14="http://schemas.microsoft.com/office/powerpoint/2010/main" val="808145893"/>
+        <p14:creationId xmlns:p14="http://schemas.microsoft.com/office/powerpoint/2010/main" val="3317485373"/>
       </p:ext>
     </p:extLst>
   </p:cSld>
@@ -3622,6 +4248,220 @@
           </a:p>
         </p:txBody>
       </p:sp>
+      <p:pic>
+        <p:nvPicPr>
+          <p:cNvPr id="7" name="그림 6"/>
+          <p:cNvPicPr>
+            <a:picLocks noChangeAspect="1"/>
+          </p:cNvPicPr>
+          <p:nvPr/>
+        </p:nvPicPr>
+        <p:blipFill>
+          <a:blip r:embed="rId2"/>
+          <a:stretch>
+            <a:fillRect/>
+          </a:stretch>
+        </p:blipFill>
+        <p:spPr>
+          <a:xfrm>
+            <a:off x="397898" y="2351330"/>
+            <a:ext cx="4171169" cy="3744416"/>
+          </a:xfrm>
+          <a:prstGeom prst="rect">
+            <a:avLst/>
+          </a:prstGeom>
+        </p:spPr>
+      </p:pic>
+      <p:pic>
+        <p:nvPicPr>
+          <p:cNvPr id="14" name="그림 13"/>
+          <p:cNvPicPr>
+            <a:picLocks noChangeAspect="1"/>
+          </p:cNvPicPr>
+          <p:nvPr/>
+        </p:nvPicPr>
+        <p:blipFill>
+          <a:blip r:embed="rId3"/>
+          <a:stretch>
+            <a:fillRect/>
+          </a:stretch>
+        </p:blipFill>
+        <p:spPr>
+          <a:xfrm>
+            <a:off x="5220072" y="2350776"/>
+            <a:ext cx="3600400" cy="4214422"/>
+          </a:xfrm>
+          <a:prstGeom prst="rect">
+            <a:avLst/>
+          </a:prstGeom>
+        </p:spPr>
+      </p:pic>
+      <p:sp>
+        <p:nvSpPr>
+          <p:cNvPr id="9" name="제목 4"/>
+          <p:cNvSpPr>
+            <a:spLocks noGrp="1"/>
+          </p:cNvSpPr>
+          <p:nvPr>
+            <p:ph type="title"/>
+          </p:nvPr>
+        </p:nvSpPr>
+        <p:spPr>
+          <a:xfrm>
+            <a:off x="397898" y="48552"/>
+            <a:ext cx="6622374" cy="582594"/>
+          </a:xfrm>
+        </p:spPr>
+        <p:txBody>
+          <a:bodyPr/>
+          <a:lstStyle/>
+          <a:p>
+            <a:r>
+              <a:rPr lang="en-US" altLang="ko-KR" dirty="0"/>
+              <a:t>2</a:t>
+            </a:r>
+            <a:r>
+              <a:rPr lang="en-US" altLang="ko-KR" dirty="0" smtClean="0"/>
+              <a:t>.  What is </a:t>
+            </a:r>
+            <a:r>
+              <a:rPr lang="en-US" altLang="ko-KR" dirty="0" err="1" smtClean="0"/>
+              <a:t>Zynq</a:t>
+            </a:r>
+            <a:r>
+              <a:rPr lang="en-US" altLang="ko-KR" dirty="0" smtClean="0"/>
+              <a:t>(System on Chip)?</a:t>
+            </a:r>
+            <a:endParaRPr lang="en-US" altLang="ko-KR" sz="2400" dirty="0"/>
+          </a:p>
+        </p:txBody>
+      </p:sp>
+      <p:sp>
+        <p:nvSpPr>
+          <p:cNvPr id="10" name="TextBox 9"/>
+          <p:cNvSpPr txBox="1"/>
+          <p:nvPr/>
+        </p:nvSpPr>
+        <p:spPr>
+          <a:xfrm>
+            <a:off x="683568" y="836712"/>
+            <a:ext cx="7344816" cy="923330"/>
+          </a:xfrm>
+          <a:prstGeom prst="rect">
+            <a:avLst/>
+          </a:prstGeom>
+          <a:noFill/>
+          <a:ln>
+            <a:solidFill>
+              <a:schemeClr val="tx1"/>
+            </a:solidFill>
+          </a:ln>
+        </p:spPr>
+        <p:txBody>
+          <a:bodyPr wrap="square" rtlCol="0">
+            <a:spAutoFit/>
+          </a:bodyPr>
+          <a:lstStyle/>
+          <a:p>
+            <a:r>
+              <a:rPr lang="en-US" altLang="ko-KR" dirty="0" err="1" smtClean="0"/>
+              <a:t>Zynq</a:t>
+            </a:r>
+            <a:r>
+              <a:rPr lang="en-US" altLang="ko-KR" dirty="0" smtClean="0"/>
+              <a:t> </a:t>
+            </a:r>
+            <a:r>
+              <a:rPr lang="en-US" altLang="ko-KR" dirty="0" err="1" smtClean="0"/>
+              <a:t>Soc</a:t>
+            </a:r>
+            <a:r>
+              <a:rPr lang="ko-KR" altLang="en-US" dirty="0" smtClean="0"/>
+              <a:t>는 </a:t>
+            </a:r>
+            <a:r>
+              <a:rPr lang="ko-KR" altLang="en-US" dirty="0" err="1" smtClean="0"/>
+              <a:t>자일링스사에서</a:t>
+            </a:r>
+            <a:r>
+              <a:rPr lang="ko-KR" altLang="en-US" dirty="0" smtClean="0"/>
+              <a:t> 만든 </a:t>
+            </a:r>
+            <a:r>
+              <a:rPr lang="en-US" altLang="ko-KR" dirty="0" smtClean="0"/>
+              <a:t>ARM</a:t>
+            </a:r>
+            <a:r>
+              <a:rPr lang="ko-KR" altLang="en-US" dirty="0" smtClean="0"/>
+              <a:t>을 기반으로 프로세서의 </a:t>
+            </a:r>
+            <a:endParaRPr lang="en-US" altLang="ko-KR" dirty="0" smtClean="0"/>
+          </a:p>
+          <a:p>
+            <a:r>
+              <a:rPr lang="ko-KR" altLang="en-US" dirty="0" smtClean="0"/>
+              <a:t>소프트웨어 프로그래밍 기능과 </a:t>
+            </a:r>
+            <a:r>
+              <a:rPr lang="en-US" altLang="ko-KR" dirty="0" smtClean="0"/>
+              <a:t>FPGA</a:t>
+            </a:r>
+            <a:r>
+              <a:rPr lang="ko-KR" altLang="en-US" dirty="0" smtClean="0"/>
+              <a:t>의 하드웨어 프로그래밍 기능을 통합함으로써 </a:t>
+            </a:r>
+            <a:r>
+              <a:rPr lang="ko-KR" altLang="en-US" dirty="0" err="1" smtClean="0"/>
+              <a:t>단일장치에</a:t>
+            </a:r>
+            <a:r>
+              <a:rPr lang="ko-KR" altLang="en-US" dirty="0" smtClean="0"/>
+              <a:t> 통합시킨 칩</a:t>
+            </a:r>
+            <a:r>
+              <a:rPr lang="en-US" altLang="ko-KR" dirty="0" smtClean="0"/>
+              <a:t>.</a:t>
+            </a:r>
+          </a:p>
+        </p:txBody>
+      </p:sp>
+    </p:spTree>
+    <p:extLst>
+      <p:ext uri="{BB962C8B-B14F-4D97-AF65-F5344CB8AC3E}">
+        <p14:creationId xmlns:p14="http://schemas.microsoft.com/office/powerpoint/2010/main" val="141341061"/>
+      </p:ext>
+    </p:extLst>
+  </p:cSld>
+  <p:clrMapOvr>
+    <a:masterClrMapping/>
+  </p:clrMapOvr>
+  <p:timing>
+    <p:tnLst>
+      <p:par>
+        <p:cTn id="1" dur="indefinite" restart="never" nodeType="tmRoot"/>
+      </p:par>
+    </p:tnLst>
+  </p:timing>
+</p:sld>
+</file>
+
+<file path=ppt/slides/slide5.xml><?xml version="1.0" encoding="utf-8"?>
+<p:sld xmlns:a="http://schemas.openxmlformats.org/drawingml/2006/main" xmlns:r="http://schemas.openxmlformats.org/officeDocument/2006/relationships" xmlns:p="http://schemas.openxmlformats.org/presentationml/2006/main">
+  <p:cSld>
+    <p:spTree>
+      <p:nvGrpSpPr>
+        <p:cNvPr id="1" name=""/>
+        <p:cNvGrpSpPr/>
+        <p:nvPr/>
+      </p:nvGrpSpPr>
+      <p:grpSpPr>
+        <a:xfrm>
+          <a:off x="0" y="0"/>
+          <a:ext cx="0" cy="0"/>
+          <a:chOff x="0" y="0"/>
+          <a:chExt cx="0" cy="0"/>
+        </a:xfrm>
+      </p:grpSpPr>
       <p:sp>
         <p:nvSpPr>
           <p:cNvPr id="5" name="제목 4"/>
@@ -3632,45 +4472,138 @@
             <p:ph type="title"/>
           </p:nvPr>
         </p:nvSpPr>
-        <p:spPr/>
+        <p:spPr>
+          <a:xfrm>
+            <a:off x="397898" y="48552"/>
+            <a:ext cx="6622374" cy="582594"/>
+          </a:xfrm>
+        </p:spPr>
         <p:txBody>
           <a:bodyPr/>
           <a:lstStyle/>
           <a:p>
             <a:r>
               <a:rPr lang="en-US" altLang="ko-KR" dirty="0" smtClean="0"/>
-              <a:t>2. </a:t>
-            </a:r>
-            <a:r>
-              <a:rPr lang="en-US" altLang="ko-KR" dirty="0" smtClean="0"/>
-              <a:t>Verilog </a:t>
-            </a:r>
-            <a:r>
-              <a:rPr lang="ko-KR" altLang="en-US" dirty="0" smtClean="0"/>
-              <a:t>기본 </a:t>
-            </a:r>
-            <a:r>
-              <a:rPr lang="ko-KR" altLang="en-US" dirty="0" smtClean="0"/>
-              <a:t>문법 </a:t>
-            </a:r>
-            <a:r>
-              <a:rPr lang="en-US" altLang="ko-KR" dirty="0" smtClean="0"/>
-              <a:t>- 1 </a:t>
-            </a:r>
+              <a:t>2.  </a:t>
+            </a:r>
+            <a:r>
+              <a:rPr lang="en-US" altLang="ko-KR" dirty="0" err="1"/>
+              <a:t>Zynq</a:t>
+            </a:r>
+            <a:r>
+              <a:rPr lang="en-US" altLang="ko-KR" dirty="0"/>
+              <a:t> </a:t>
+            </a:r>
+            <a:r>
+              <a:rPr lang="en-US" altLang="ko-KR" dirty="0" err="1"/>
+              <a:t>SoC</a:t>
+            </a:r>
+            <a:r>
+              <a:rPr lang="en-US" altLang="ko-KR" dirty="0"/>
+              <a:t> </a:t>
+            </a:r>
+            <a:r>
+              <a:rPr lang="en-US" altLang="ko-KR" sz="2400" dirty="0"/>
+              <a:t>(</a:t>
+            </a:r>
+            <a:r>
+              <a:rPr lang="en-US" altLang="ko-KR" sz="2400" dirty="0" err="1"/>
+              <a:t>Zynq</a:t>
+            </a:r>
+            <a:r>
+              <a:rPr lang="en-US" altLang="ko-KR" sz="2400" dirty="0"/>
+              <a:t> System on chip)</a:t>
+            </a:r>
+          </a:p>
+        </p:txBody>
+      </p:sp>
+      <p:sp>
+        <p:nvSpPr>
+          <p:cNvPr id="2" name="슬라이드 번호 개체 틀 1"/>
+          <p:cNvSpPr>
+            <a:spLocks noGrp="1"/>
+          </p:cNvSpPr>
+          <p:nvPr>
+            <p:ph type="sldNum" sz="quarter" idx="12"/>
+          </p:nvPr>
+        </p:nvSpPr>
+        <p:spPr>
+          <a:xfrm>
+            <a:off x="8494388" y="6581887"/>
+            <a:ext cx="714348" cy="365125"/>
+          </a:xfrm>
+        </p:spPr>
+        <p:txBody>
+          <a:bodyPr/>
+          <a:lstStyle/>
+          <a:p>
+            <a:fld id="{37BF4AA1-2B5D-4FE3-8E3E-9FFA45C2E7C9}" type="slidenum">
+              <a:rPr lang="ko-KR" altLang="en-US" smtClean="0"/>
+              <a:pPr/>
+              <a:t>5</a:t>
+            </a:fld>
             <a:endParaRPr lang="ko-KR" altLang="en-US" dirty="0"/>
           </a:p>
         </p:txBody>
       </p:sp>
-      <p:sp>
-        <p:nvSpPr>
-          <p:cNvPr id="3" name="TextBox 2"/>
+      <p:pic>
+        <p:nvPicPr>
+          <p:cNvPr id="6" name="그림 5"/>
+          <p:cNvPicPr>
+            <a:picLocks noChangeAspect="1"/>
+          </p:cNvPicPr>
+          <p:nvPr/>
+        </p:nvPicPr>
+        <p:blipFill>
+          <a:blip r:embed="rId2"/>
+          <a:stretch>
+            <a:fillRect/>
+          </a:stretch>
+        </p:blipFill>
+        <p:spPr>
+          <a:xfrm>
+            <a:off x="683568" y="1124744"/>
+            <a:ext cx="2851155" cy="1944216"/>
+          </a:xfrm>
+          <a:prstGeom prst="rect">
+            <a:avLst/>
+          </a:prstGeom>
+        </p:spPr>
+      </p:pic>
+      <p:pic>
+        <p:nvPicPr>
+          <p:cNvPr id="13" name="그림 12"/>
+          <p:cNvPicPr>
+            <a:picLocks noChangeAspect="1"/>
+          </p:cNvPicPr>
+          <p:nvPr/>
+        </p:nvPicPr>
+        <p:blipFill>
+          <a:blip r:embed="rId3"/>
+          <a:stretch>
+            <a:fillRect/>
+          </a:stretch>
+        </p:blipFill>
+        <p:spPr>
+          <a:xfrm>
+            <a:off x="3695175" y="2492896"/>
+            <a:ext cx="4973668" cy="3456384"/>
+          </a:xfrm>
+          <a:prstGeom prst="rect">
+            <a:avLst/>
+          </a:prstGeom>
+        </p:spPr>
+      </p:pic>
+      <p:sp>
+        <p:nvSpPr>
+          <p:cNvPr id="7" name="TextBox 6"/>
           <p:cNvSpPr txBox="1"/>
           <p:nvPr/>
         </p:nvSpPr>
         <p:spPr>
           <a:xfrm>
-            <a:off x="899592" y="1134036"/>
-            <a:ext cx="3528392" cy="2031325"/>
+            <a:off x="3534723" y="1100356"/>
+            <a:ext cx="5429765" cy="923330"/>
           </a:xfrm>
           <a:prstGeom prst="rect">
             <a:avLst/>
@@ -3689,84 +4622,68 @@
           <a:lstStyle/>
           <a:p>
             <a:r>
-              <a:rPr lang="en-US" altLang="ko-KR" dirty="0" smtClean="0"/>
-              <a:t>module</a:t>
+              <a:rPr lang="en-US" altLang="ko-KR" dirty="0" err="1" smtClean="0"/>
+              <a:t>Zynq</a:t>
             </a:r>
             <a:r>
               <a:rPr lang="ko-KR" altLang="en-US" dirty="0" smtClean="0"/>
-              <a:t> 모듈 이름</a:t>
-            </a:r>
-            <a:r>
-              <a:rPr lang="en-US" altLang="ko-KR" dirty="0" smtClean="0"/>
-              <a:t>( </a:t>
+              <a:t>의 내부는 크게 </a:t>
+            </a:r>
+            <a:r>
+              <a:rPr lang="en-US" altLang="ko-KR" dirty="0" smtClean="0"/>
+              <a:t>2</a:t>
             </a:r>
             <a:r>
               <a:rPr lang="ko-KR" altLang="en-US" dirty="0" smtClean="0"/>
-              <a:t>포트 리스트</a:t>
-            </a:r>
-            <a:r>
-              <a:rPr lang="en-US" altLang="ko-KR" dirty="0" smtClean="0"/>
-              <a:t>);</a:t>
+              <a:t>분야로 나뉨</a:t>
+            </a:r>
+            <a:r>
+              <a:rPr lang="en-US" altLang="ko-KR" dirty="0" smtClean="0"/>
+              <a:t>.</a:t>
+            </a:r>
+          </a:p>
+          <a:p>
+            <a:pPr marL="342900" indent="-342900">
+              <a:buAutoNum type="arabicParenR"/>
+            </a:pPr>
+            <a:r>
+              <a:rPr lang="en-US" altLang="ko-KR" dirty="0" smtClean="0"/>
+              <a:t>PS(Processing System) </a:t>
+            </a:r>
+            <a:r>
+              <a:rPr lang="ko-KR" altLang="en-US" dirty="0" smtClean="0"/>
+              <a:t>영역 </a:t>
+            </a:r>
+            <a:r>
+              <a:rPr lang="en-US" altLang="ko-KR" dirty="0" smtClean="0"/>
+              <a:t>(ARM,C) </a:t>
+            </a:r>
+          </a:p>
+          <a:p>
+            <a:pPr marL="342900" indent="-342900">
+              <a:buAutoNum type="arabicParenR"/>
+            </a:pPr>
+            <a:r>
+              <a:rPr lang="en-US" altLang="ko-KR" dirty="0" smtClean="0"/>
+              <a:t>PL(</a:t>
+            </a:r>
+            <a:r>
+              <a:rPr lang="en-US" altLang="ko-KR" dirty="0" err="1" smtClean="0"/>
+              <a:t>Programable</a:t>
+            </a:r>
+            <a:r>
+              <a:rPr lang="en-US" altLang="ko-KR" dirty="0" smtClean="0"/>
+              <a:t> Logic) </a:t>
+            </a:r>
+            <a:r>
+              <a:rPr lang="ko-KR" altLang="en-US" dirty="0" smtClean="0"/>
+              <a:t>영역 </a:t>
+            </a:r>
+            <a:r>
+              <a:rPr lang="en-US" altLang="ko-KR" dirty="0" smtClean="0"/>
+              <a:t>(HDL)</a:t>
             </a:r>
             <a:endParaRPr lang="en-US" altLang="ko-KR" dirty="0" smtClean="0"/>
-          </a:p>
-          <a:p>
-            <a:r>
-              <a:rPr lang="en-US" altLang="ko-KR" dirty="0"/>
-              <a:t>	</a:t>
-            </a:r>
-            <a:r>
-              <a:rPr lang="ko-KR" altLang="en-US" dirty="0" smtClean="0"/>
-              <a:t>포트 </a:t>
-            </a:r>
-            <a:r>
-              <a:rPr lang="ko-KR" altLang="en-US" dirty="0" err="1" smtClean="0"/>
-              <a:t>선언부</a:t>
-            </a:r>
-            <a:endParaRPr lang="en-US" altLang="ko-KR" dirty="0" smtClean="0"/>
-          </a:p>
-          <a:p>
-            <a:r>
-              <a:rPr lang="en-US" altLang="ko-KR" dirty="0"/>
-              <a:t>	</a:t>
-            </a:r>
-            <a:r>
-              <a:rPr lang="ko-KR" altLang="en-US" dirty="0" smtClean="0"/>
-              <a:t>데이터 타입 </a:t>
-            </a:r>
-            <a:r>
-              <a:rPr lang="ko-KR" altLang="en-US" dirty="0" err="1" smtClean="0"/>
-              <a:t>선언부</a:t>
-            </a:r>
-            <a:endParaRPr lang="en-US" altLang="ko-KR" dirty="0" smtClean="0"/>
-          </a:p>
-          <a:p>
-            <a:endParaRPr lang="en-US" altLang="ko-KR" dirty="0" smtClean="0"/>
-          </a:p>
-          <a:p>
-            <a:r>
-              <a:rPr lang="en-US" altLang="ko-KR" dirty="0" smtClean="0"/>
-              <a:t>	</a:t>
-            </a:r>
-            <a:r>
-              <a:rPr lang="ko-KR" altLang="en-US" dirty="0" smtClean="0"/>
-              <a:t>회로 </a:t>
-            </a:r>
-            <a:r>
-              <a:rPr lang="ko-KR" altLang="en-US" dirty="0" err="1" smtClean="0"/>
-              <a:t>선언부</a:t>
-            </a:r>
-            <a:endParaRPr lang="en-US" altLang="ko-KR" dirty="0" smtClean="0"/>
-          </a:p>
-          <a:p>
-            <a:endParaRPr lang="en-US" altLang="ko-KR" dirty="0" smtClean="0"/>
-          </a:p>
-          <a:p>
-            <a:r>
-              <a:rPr lang="en-US" altLang="ko-KR" dirty="0" err="1" smtClean="0"/>
-              <a:t>endmodule</a:t>
-            </a:r>
-            <a:endParaRPr lang="ko-KR" altLang="en-US" dirty="0"/>
           </a:p>
         </p:txBody>
       </p:sp>
@@ -3778,13 +4695,18 @@
         </p:nvSpPr>
         <p:spPr>
           <a:xfrm>
-            <a:off x="397899" y="764704"/>
-            <a:ext cx="8278557" cy="369332"/>
+            <a:off x="397898" y="4118120"/>
+            <a:ext cx="3670046" cy="923330"/>
           </a:xfrm>
           <a:prstGeom prst="rect">
             <a:avLst/>
           </a:prstGeom>
           <a:noFill/>
+          <a:ln>
+            <a:solidFill>
+              <a:schemeClr val="tx1"/>
+            </a:solidFill>
+          </a:ln>
         </p:spPr>
         <p:txBody>
           <a:bodyPr wrap="square" rtlCol="0">
@@ -3792,26 +4714,114 @@
           </a:bodyPr>
           <a:lstStyle/>
           <a:p>
-            <a:pPr marL="342900" indent="-342900">
-              <a:buAutoNum type="arabicParenR"/>
-            </a:pPr>
             <a:r>
               <a:rPr lang="ko-KR" altLang="en-US" dirty="0" smtClean="0"/>
-              <a:t>기본 </a:t>
+              <a:t>이 두 영역간의 상호작용은</a:t>
+            </a:r>
+            <a:endParaRPr lang="en-US" altLang="ko-KR" dirty="0" smtClean="0"/>
+          </a:p>
+          <a:p>
+            <a:endParaRPr lang="en-US" altLang="ko-KR" dirty="0"/>
+          </a:p>
+          <a:p>
+            <a:r>
+              <a:rPr lang="en-US" altLang="ko-KR" dirty="0" smtClean="0"/>
+              <a:t>AXI </a:t>
             </a:r>
             <a:r>
               <a:rPr lang="ko-KR" altLang="en-US" dirty="0" smtClean="0"/>
-              <a:t>형태 </a:t>
-            </a:r>
-            <a:r>
-              <a:rPr lang="en-US" altLang="ko-KR" dirty="0" smtClean="0"/>
-              <a:t>– Ex) assign </a:t>
-            </a:r>
-            <a:r>
-              <a:rPr lang="ko-KR" altLang="en-US" dirty="0" smtClean="0"/>
-              <a:t>문</a:t>
+              <a:t>인터페이스를 통해 이루어짐</a:t>
             </a:r>
             <a:endParaRPr lang="en-US" altLang="ko-KR" dirty="0" smtClean="0"/>
+          </a:p>
+        </p:txBody>
+      </p:sp>
+    </p:spTree>
+    <p:extLst>
+      <p:ext uri="{BB962C8B-B14F-4D97-AF65-F5344CB8AC3E}">
+        <p14:creationId xmlns:p14="http://schemas.microsoft.com/office/powerpoint/2010/main" val="2004785465"/>
+      </p:ext>
+    </p:extLst>
+  </p:cSld>
+  <p:clrMapOvr>
+    <a:masterClrMapping/>
+  </p:clrMapOvr>
+  <p:timing>
+    <p:tnLst>
+      <p:par>
+        <p:cTn id="1" dur="indefinite" restart="never" nodeType="tmRoot"/>
+      </p:par>
+    </p:tnLst>
+  </p:timing>
+</p:sld>
+</file>
+
+<file path=ppt/slides/slide6.xml><?xml version="1.0" encoding="utf-8"?>
+<p:sld xmlns:a="http://schemas.openxmlformats.org/drawingml/2006/main" xmlns:r="http://schemas.openxmlformats.org/officeDocument/2006/relationships" xmlns:p="http://schemas.openxmlformats.org/presentationml/2006/main">
+  <p:cSld>
+    <p:spTree>
+      <p:nvGrpSpPr>
+        <p:cNvPr id="1" name=""/>
+        <p:cNvGrpSpPr/>
+        <p:nvPr/>
+      </p:nvGrpSpPr>
+      <p:grpSpPr>
+        <a:xfrm>
+          <a:off x="0" y="0"/>
+          <a:ext cx="0" cy="0"/>
+          <a:chOff x="0" y="0"/>
+          <a:chExt cx="0" cy="0"/>
+        </a:xfrm>
+      </p:grpSpPr>
+      <p:sp>
+        <p:nvSpPr>
+          <p:cNvPr id="2" name="슬라이드 번호 개체 틀 1"/>
+          <p:cNvSpPr>
+            <a:spLocks noGrp="1"/>
+          </p:cNvSpPr>
+          <p:nvPr>
+            <p:ph type="sldNum" sz="quarter" idx="12"/>
+          </p:nvPr>
+        </p:nvSpPr>
+        <p:spPr>
+          <a:xfrm>
+            <a:off x="8494388" y="6581887"/>
+            <a:ext cx="714348" cy="365125"/>
+          </a:xfrm>
+        </p:spPr>
+        <p:txBody>
+          <a:bodyPr/>
+          <a:lstStyle/>
+          <a:p>
+            <a:fld id="{37BF4AA1-2B5D-4FE3-8E3E-9FFA45C2E7C9}" type="slidenum">
+              <a:rPr lang="ko-KR" altLang="en-US" smtClean="0"/>
+              <a:pPr/>
+              <a:t>6</a:t>
+            </a:fld>
+            <a:endParaRPr lang="ko-KR" altLang="en-US" dirty="0"/>
+          </a:p>
+        </p:txBody>
+      </p:sp>
+      <p:sp>
+        <p:nvSpPr>
+          <p:cNvPr id="5" name="제목 4"/>
+          <p:cNvSpPr>
+            <a:spLocks noGrp="1"/>
+          </p:cNvSpPr>
+          <p:nvPr>
+            <p:ph type="title"/>
+          </p:nvPr>
+        </p:nvSpPr>
+        <p:spPr/>
+        <p:txBody>
+          <a:bodyPr/>
+          <a:lstStyle/>
+          <a:p>
+            <a:r>
+              <a:rPr lang="en-US" altLang="ko-KR" dirty="0" smtClean="0"/>
+              <a:t>3. Zybo-20 (Zynq-7020)</a:t>
+            </a:r>
+            <a:endParaRPr lang="ko-KR" altLang="en-US" dirty="0"/>
           </a:p>
         </p:txBody>
       </p:sp>
@@ -3831,8 +4841,330 @@
         </p:blipFill>
         <p:spPr>
           <a:xfrm>
-            <a:off x="5292080" y="1231815"/>
-            <a:ext cx="1819275" cy="1295400"/>
+            <a:off x="397899" y="1340768"/>
+            <a:ext cx="2762250" cy="1895475"/>
+          </a:xfrm>
+          <a:prstGeom prst="rect">
+            <a:avLst/>
+          </a:prstGeom>
+        </p:spPr>
+      </p:pic>
+      <p:pic>
+        <p:nvPicPr>
+          <p:cNvPr id="12" name="그림 11"/>
+          <p:cNvPicPr>
+            <a:picLocks noChangeAspect="1"/>
+          </p:cNvPicPr>
+          <p:nvPr/>
+        </p:nvPicPr>
+        <p:blipFill>
+          <a:blip r:embed="rId3"/>
+          <a:stretch>
+            <a:fillRect/>
+          </a:stretch>
+        </p:blipFill>
+        <p:spPr>
+          <a:xfrm>
+            <a:off x="3779912" y="1004629"/>
+            <a:ext cx="3854519" cy="2053759"/>
+          </a:xfrm>
+          <a:prstGeom prst="rect">
+            <a:avLst/>
+          </a:prstGeom>
+        </p:spPr>
+      </p:pic>
+      <p:pic>
+        <p:nvPicPr>
+          <p:cNvPr id="13" name="그림 12"/>
+          <p:cNvPicPr>
+            <a:picLocks noChangeAspect="1"/>
+          </p:cNvPicPr>
+          <p:nvPr/>
+        </p:nvPicPr>
+        <p:blipFill>
+          <a:blip r:embed="rId4"/>
+          <a:stretch>
+            <a:fillRect/>
+          </a:stretch>
+        </p:blipFill>
+        <p:spPr>
+          <a:xfrm>
+            <a:off x="957581" y="3173970"/>
+            <a:ext cx="7704856" cy="3407917"/>
+          </a:xfrm>
+          <a:prstGeom prst="rect">
+            <a:avLst/>
+          </a:prstGeom>
+        </p:spPr>
+      </p:pic>
+    </p:spTree>
+    <p:extLst>
+      <p:ext uri="{BB962C8B-B14F-4D97-AF65-F5344CB8AC3E}">
+        <p14:creationId xmlns:p14="http://schemas.microsoft.com/office/powerpoint/2010/main" val="808145893"/>
+      </p:ext>
+    </p:extLst>
+  </p:cSld>
+  <p:clrMapOvr>
+    <a:masterClrMapping/>
+  </p:clrMapOvr>
+  <p:timing>
+    <p:tnLst>
+      <p:par>
+        <p:cTn id="1" dur="indefinite" restart="never" nodeType="tmRoot"/>
+      </p:par>
+    </p:tnLst>
+  </p:timing>
+</p:sld>
+</file>
+
+<file path=ppt/slides/slide7.xml><?xml version="1.0" encoding="utf-8"?>
+<p:sld xmlns:a="http://schemas.openxmlformats.org/drawingml/2006/main" xmlns:r="http://schemas.openxmlformats.org/officeDocument/2006/relationships" xmlns:p="http://schemas.openxmlformats.org/presentationml/2006/main">
+  <p:cSld>
+    <p:spTree>
+      <p:nvGrpSpPr>
+        <p:cNvPr id="1" name=""/>
+        <p:cNvGrpSpPr/>
+        <p:nvPr/>
+      </p:nvGrpSpPr>
+      <p:grpSpPr>
+        <a:xfrm>
+          <a:off x="0" y="0"/>
+          <a:ext cx="0" cy="0"/>
+          <a:chOff x="0" y="0"/>
+          <a:chExt cx="0" cy="0"/>
+        </a:xfrm>
+      </p:grpSpPr>
+      <p:sp>
+        <p:nvSpPr>
+          <p:cNvPr id="2" name="슬라이드 번호 개체 틀 1"/>
+          <p:cNvSpPr>
+            <a:spLocks noGrp="1"/>
+          </p:cNvSpPr>
+          <p:nvPr>
+            <p:ph type="sldNum" sz="quarter" idx="12"/>
+          </p:nvPr>
+        </p:nvSpPr>
+        <p:spPr>
+          <a:xfrm>
+            <a:off x="8494388" y="6581887"/>
+            <a:ext cx="714348" cy="365125"/>
+          </a:xfrm>
+        </p:spPr>
+        <p:txBody>
+          <a:bodyPr/>
+          <a:lstStyle/>
+          <a:p>
+            <a:fld id="{37BF4AA1-2B5D-4FE3-8E3E-9FFA45C2E7C9}" type="slidenum">
+              <a:rPr lang="ko-KR" altLang="en-US" smtClean="0"/>
+              <a:pPr/>
+              <a:t>7</a:t>
+            </a:fld>
+            <a:endParaRPr lang="ko-KR" altLang="en-US" dirty="0"/>
+          </a:p>
+        </p:txBody>
+      </p:sp>
+      <p:sp>
+        <p:nvSpPr>
+          <p:cNvPr id="5" name="제목 4"/>
+          <p:cNvSpPr>
+            <a:spLocks noGrp="1"/>
+          </p:cNvSpPr>
+          <p:nvPr>
+            <p:ph type="title"/>
+          </p:nvPr>
+        </p:nvSpPr>
+        <p:spPr/>
+        <p:txBody>
+          <a:bodyPr/>
+          <a:lstStyle/>
+          <a:p>
+            <a:r>
+              <a:rPr lang="en-US" altLang="ko-KR" dirty="0"/>
+              <a:t>4</a:t>
+            </a:r>
+            <a:r>
+              <a:rPr lang="en-US" altLang="ko-KR" dirty="0" smtClean="0"/>
+              <a:t>. Verilog </a:t>
+            </a:r>
+            <a:r>
+              <a:rPr lang="ko-KR" altLang="en-US" dirty="0" smtClean="0"/>
+              <a:t>기본 문법 </a:t>
+            </a:r>
+            <a:r>
+              <a:rPr lang="en-US" altLang="ko-KR" dirty="0" smtClean="0"/>
+              <a:t>- 1 </a:t>
+            </a:r>
+            <a:endParaRPr lang="ko-KR" altLang="en-US" dirty="0"/>
+          </a:p>
+        </p:txBody>
+      </p:sp>
+      <p:sp>
+        <p:nvSpPr>
+          <p:cNvPr id="3" name="TextBox 2"/>
+          <p:cNvSpPr txBox="1"/>
+          <p:nvPr/>
+        </p:nvSpPr>
+        <p:spPr>
+          <a:xfrm>
+            <a:off x="899592" y="1134036"/>
+            <a:ext cx="3528392" cy="2031325"/>
+          </a:xfrm>
+          <a:prstGeom prst="rect">
+            <a:avLst/>
+          </a:prstGeom>
+          <a:noFill/>
+          <a:ln>
+            <a:solidFill>
+              <a:schemeClr val="tx1"/>
+            </a:solidFill>
+          </a:ln>
+        </p:spPr>
+        <p:txBody>
+          <a:bodyPr wrap="square" rtlCol="0">
+            <a:spAutoFit/>
+          </a:bodyPr>
+          <a:lstStyle/>
+          <a:p>
+            <a:r>
+              <a:rPr lang="en-US" altLang="ko-KR" dirty="0" smtClean="0"/>
+              <a:t>module</a:t>
+            </a:r>
+            <a:r>
+              <a:rPr lang="ko-KR" altLang="en-US" dirty="0" smtClean="0"/>
+              <a:t> 모듈 이름</a:t>
+            </a:r>
+            <a:r>
+              <a:rPr lang="en-US" altLang="ko-KR" dirty="0" smtClean="0"/>
+              <a:t>( </a:t>
+            </a:r>
+            <a:r>
+              <a:rPr lang="ko-KR" altLang="en-US" dirty="0" smtClean="0"/>
+              <a:t>포트 리스트</a:t>
+            </a:r>
+            <a:r>
+              <a:rPr lang="en-US" altLang="ko-KR" dirty="0" smtClean="0"/>
+              <a:t>);</a:t>
+            </a:r>
+          </a:p>
+          <a:p>
+            <a:r>
+              <a:rPr lang="en-US" altLang="ko-KR" dirty="0"/>
+              <a:t>	</a:t>
+            </a:r>
+            <a:r>
+              <a:rPr lang="ko-KR" altLang="en-US" dirty="0" smtClean="0"/>
+              <a:t>포트 </a:t>
+            </a:r>
+            <a:r>
+              <a:rPr lang="ko-KR" altLang="en-US" dirty="0" err="1" smtClean="0"/>
+              <a:t>선언부</a:t>
+            </a:r>
+            <a:endParaRPr lang="en-US" altLang="ko-KR" dirty="0" smtClean="0"/>
+          </a:p>
+          <a:p>
+            <a:r>
+              <a:rPr lang="en-US" altLang="ko-KR" dirty="0"/>
+              <a:t>	</a:t>
+            </a:r>
+            <a:r>
+              <a:rPr lang="ko-KR" altLang="en-US" dirty="0" smtClean="0"/>
+              <a:t>데이터 타입 </a:t>
+            </a:r>
+            <a:r>
+              <a:rPr lang="ko-KR" altLang="en-US" dirty="0" err="1" smtClean="0"/>
+              <a:t>선언부</a:t>
+            </a:r>
+            <a:endParaRPr lang="en-US" altLang="ko-KR" dirty="0" smtClean="0"/>
+          </a:p>
+          <a:p>
+            <a:endParaRPr lang="en-US" altLang="ko-KR" dirty="0" smtClean="0"/>
+          </a:p>
+          <a:p>
+            <a:r>
+              <a:rPr lang="en-US" altLang="ko-KR" dirty="0" smtClean="0"/>
+              <a:t>	</a:t>
+            </a:r>
+            <a:r>
+              <a:rPr lang="ko-KR" altLang="en-US" dirty="0" smtClean="0"/>
+              <a:t>회로 </a:t>
+            </a:r>
+            <a:r>
+              <a:rPr lang="ko-KR" altLang="en-US" dirty="0" err="1" smtClean="0"/>
+              <a:t>선언부</a:t>
+            </a:r>
+            <a:endParaRPr lang="en-US" altLang="ko-KR" dirty="0" smtClean="0"/>
+          </a:p>
+          <a:p>
+            <a:endParaRPr lang="en-US" altLang="ko-KR" dirty="0" smtClean="0"/>
+          </a:p>
+          <a:p>
+            <a:r>
+              <a:rPr lang="en-US" altLang="ko-KR" dirty="0" err="1" smtClean="0"/>
+              <a:t>endmodule</a:t>
+            </a:r>
+            <a:endParaRPr lang="ko-KR" altLang="en-US" dirty="0"/>
+          </a:p>
+        </p:txBody>
+      </p:sp>
+      <p:sp>
+        <p:nvSpPr>
+          <p:cNvPr id="8" name="TextBox 7"/>
+          <p:cNvSpPr txBox="1"/>
+          <p:nvPr/>
+        </p:nvSpPr>
+        <p:spPr>
+          <a:xfrm>
+            <a:off x="397899" y="764704"/>
+            <a:ext cx="8278557" cy="369332"/>
+          </a:xfrm>
+          <a:prstGeom prst="rect">
+            <a:avLst/>
+          </a:prstGeom>
+          <a:noFill/>
+        </p:spPr>
+        <p:txBody>
+          <a:bodyPr wrap="square" rtlCol="0">
+            <a:spAutoFit/>
+          </a:bodyPr>
+          <a:lstStyle/>
+          <a:p>
+            <a:pPr marL="342900" indent="-342900">
+              <a:buAutoNum type="arabicParenR"/>
+            </a:pPr>
+            <a:r>
+              <a:rPr lang="ko-KR" altLang="en-US" dirty="0" smtClean="0"/>
+              <a:t>기본 형태 </a:t>
+            </a:r>
+            <a:r>
+              <a:rPr lang="en-US" altLang="ko-KR" dirty="0" smtClean="0"/>
+              <a:t>– Ex) assign </a:t>
+            </a:r>
+            <a:r>
+              <a:rPr lang="ko-KR" altLang="en-US" dirty="0" smtClean="0"/>
+              <a:t>문</a:t>
+            </a:r>
+            <a:endParaRPr lang="en-US" altLang="ko-KR" dirty="0" smtClean="0"/>
+          </a:p>
+        </p:txBody>
+      </p:sp>
+      <p:pic>
+        <p:nvPicPr>
+          <p:cNvPr id="4" name="그림 3"/>
+          <p:cNvPicPr>
+            <a:picLocks noChangeAspect="1"/>
+          </p:cNvPicPr>
+          <p:nvPr/>
+        </p:nvPicPr>
+        <p:blipFill>
+          <a:blip r:embed="rId2"/>
+          <a:stretch>
+            <a:fillRect/>
+          </a:stretch>
+        </p:blipFill>
+        <p:spPr>
+          <a:xfrm>
+            <a:off x="4654820" y="1116929"/>
+            <a:ext cx="3839568" cy="2733933"/>
           </a:xfrm>
           <a:prstGeom prst="rect">
             <a:avLst/>
@@ -4007,7 +5339,7 @@
 </p:sld>
 </file>
 
-<file path=ppt/slides/slide5.xml><?xml version="1.0" encoding="utf-8"?>
+<file path=ppt/slides/slide8.xml><?xml version="1.0" encoding="utf-8"?>
 <p:sld xmlns:a="http://schemas.openxmlformats.org/drawingml/2006/main" xmlns:r="http://schemas.openxmlformats.org/officeDocument/2006/relationships" xmlns:p="http://schemas.openxmlformats.org/presentationml/2006/main">
   <p:cSld>
     <p:spTree>
@@ -4047,7 +5379,7 @@
             <a:fld id="{37BF4AA1-2B5D-4FE3-8E3E-9FFA45C2E7C9}" type="slidenum">
               <a:rPr lang="ko-KR" altLang="en-US" smtClean="0"/>
               <a:pPr/>
-              <a:t>5</a:t>
+              <a:t>8</a:t>
             </a:fld>
             <a:endParaRPr lang="ko-KR" altLang="en-US" dirty="0"/>
           </a:p>
@@ -4070,19 +5402,11 @@
           <a:p>
             <a:r>
               <a:rPr lang="en-US" altLang="ko-KR" dirty="0" smtClean="0"/>
-              <a:t>2. </a:t>
-            </a:r>
-            <a:r>
-              <a:rPr lang="en-US" altLang="ko-KR" dirty="0" smtClean="0"/>
-              <a:t>Verilog </a:t>
+              <a:t>4. Verilog </a:t>
             </a:r>
             <a:r>
               <a:rPr lang="ko-KR" altLang="en-US" dirty="0" smtClean="0"/>
-              <a:t>기본 </a:t>
-            </a:r>
-            <a:r>
-              <a:rPr lang="ko-KR" altLang="en-US" dirty="0" smtClean="0"/>
-              <a:t>문법 </a:t>
+              <a:t>기본 문법 </a:t>
             </a:r>
             <a:r>
               <a:rPr lang="en-US" altLang="ko-KR" dirty="0" smtClean="0"/>
@@ -4934,816 +6258,6 @@
     <p:extLst>
       <p:ext uri="{BB962C8B-B14F-4D97-AF65-F5344CB8AC3E}">
         <p14:creationId xmlns:p14="http://schemas.microsoft.com/office/powerpoint/2010/main" val="2124037913"/>
-      </p:ext>
-    </p:extLst>
-  </p:cSld>
-  <p:clrMapOvr>
-    <a:masterClrMapping/>
-  </p:clrMapOvr>
-  <p:timing>
-    <p:tnLst>
-      <p:par>
-        <p:cTn id="1" dur="indefinite" restart="never" nodeType="tmRoot"/>
-      </p:par>
-    </p:tnLst>
-  </p:timing>
-</p:sld>
-</file>
-
-<file path=ppt/slides/slide6.xml><?xml version="1.0" encoding="utf-8"?>
-<p:sld xmlns:a="http://schemas.openxmlformats.org/drawingml/2006/main" xmlns:r="http://schemas.openxmlformats.org/officeDocument/2006/relationships" xmlns:p="http://schemas.openxmlformats.org/presentationml/2006/main">
-  <p:cSld>
-    <p:spTree>
-      <p:nvGrpSpPr>
-        <p:cNvPr id="1" name=""/>
-        <p:cNvGrpSpPr/>
-        <p:nvPr/>
-      </p:nvGrpSpPr>
-      <p:grpSpPr>
-        <a:xfrm>
-          <a:off x="0" y="0"/>
-          <a:ext cx="0" cy="0"/>
-          <a:chOff x="0" y="0"/>
-          <a:chExt cx="0" cy="0"/>
-        </a:xfrm>
-      </p:grpSpPr>
-      <p:sp>
-        <p:nvSpPr>
-          <p:cNvPr id="2" name="슬라이드 번호 개체 틀 1"/>
-          <p:cNvSpPr>
-            <a:spLocks noGrp="1"/>
-          </p:cNvSpPr>
-          <p:nvPr>
-            <p:ph type="sldNum" sz="quarter" idx="12"/>
-          </p:nvPr>
-        </p:nvSpPr>
-        <p:spPr>
-          <a:xfrm>
-            <a:off x="8494388" y="6581887"/>
-            <a:ext cx="714348" cy="365125"/>
-          </a:xfrm>
-        </p:spPr>
-        <p:txBody>
-          <a:bodyPr/>
-          <a:lstStyle/>
-          <a:p>
-            <a:fld id="{37BF4AA1-2B5D-4FE3-8E3E-9FFA45C2E7C9}" type="slidenum">
-              <a:rPr lang="ko-KR" altLang="en-US" smtClean="0"/>
-              <a:pPr/>
-              <a:t>6</a:t>
-            </a:fld>
-            <a:endParaRPr lang="ko-KR" altLang="en-US" dirty="0"/>
-          </a:p>
-        </p:txBody>
-      </p:sp>
-      <p:sp>
-        <p:nvSpPr>
-          <p:cNvPr id="5" name="제목 4"/>
-          <p:cNvSpPr>
-            <a:spLocks noGrp="1"/>
-          </p:cNvSpPr>
-          <p:nvPr>
-            <p:ph type="title"/>
-          </p:nvPr>
-        </p:nvSpPr>
-        <p:spPr/>
-        <p:txBody>
-          <a:bodyPr/>
-          <a:lstStyle/>
-          <a:p>
-            <a:r>
-              <a:rPr lang="en-US" altLang="ko-KR" dirty="0" smtClean="0"/>
-              <a:t>2. </a:t>
-            </a:r>
-            <a:r>
-              <a:rPr lang="en-US" altLang="ko-KR" dirty="0" smtClean="0"/>
-              <a:t>Verilog </a:t>
-            </a:r>
-            <a:r>
-              <a:rPr lang="ko-KR" altLang="en-US" dirty="0" smtClean="0"/>
-              <a:t>기본 </a:t>
-            </a:r>
-            <a:r>
-              <a:rPr lang="ko-KR" altLang="en-US" dirty="0" smtClean="0"/>
-              <a:t>문법 </a:t>
-            </a:r>
-            <a:r>
-              <a:rPr lang="en-US" altLang="ko-KR" dirty="0" smtClean="0"/>
-              <a:t>- 3</a:t>
-            </a:r>
-            <a:endParaRPr lang="ko-KR" altLang="en-US" dirty="0"/>
-          </a:p>
-        </p:txBody>
-      </p:sp>
-      <p:sp>
-        <p:nvSpPr>
-          <p:cNvPr id="8" name="TextBox 7"/>
-          <p:cNvSpPr txBox="1"/>
-          <p:nvPr/>
-        </p:nvSpPr>
-        <p:spPr>
-          <a:xfrm>
-            <a:off x="397899" y="764704"/>
-            <a:ext cx="8278557" cy="369332"/>
-          </a:xfrm>
-          <a:prstGeom prst="rect">
-            <a:avLst/>
-          </a:prstGeom>
-          <a:noFill/>
-        </p:spPr>
-        <p:txBody>
-          <a:bodyPr wrap="square" rtlCol="0">
-            <a:spAutoFit/>
-          </a:bodyPr>
-          <a:lstStyle/>
-          <a:p>
-            <a:pPr marL="342900" indent="-342900">
-              <a:buAutoNum type="arabicParenR"/>
-            </a:pPr>
-            <a:r>
-              <a:rPr lang="ko-KR" altLang="en-US" dirty="0" smtClean="0"/>
-              <a:t>전압 </a:t>
-            </a:r>
-            <a:r>
-              <a:rPr lang="en-US" altLang="ko-KR" dirty="0" smtClean="0"/>
-              <a:t>Level </a:t>
-            </a:r>
-            <a:r>
-              <a:rPr lang="ko-KR" altLang="en-US" dirty="0" smtClean="0"/>
-              <a:t>및 </a:t>
-            </a:r>
-            <a:r>
-              <a:rPr lang="en-US" altLang="ko-KR" dirty="0" smtClean="0"/>
-              <a:t>Port </a:t>
-            </a:r>
-            <a:r>
-              <a:rPr lang="ko-KR" altLang="en-US" dirty="0" smtClean="0"/>
-              <a:t>설정</a:t>
-            </a:r>
-            <a:endParaRPr lang="en-US" altLang="ko-KR" dirty="0" smtClean="0"/>
-          </a:p>
-        </p:txBody>
-      </p:sp>
-      <p:pic>
-        <p:nvPicPr>
-          <p:cNvPr id="7" name="그림 6"/>
-          <p:cNvPicPr>
-            <a:picLocks noChangeAspect="1"/>
-          </p:cNvPicPr>
-          <p:nvPr/>
-        </p:nvPicPr>
-        <p:blipFill>
-          <a:blip r:embed="rId2"/>
-          <a:stretch>
-            <a:fillRect/>
-          </a:stretch>
-        </p:blipFill>
-        <p:spPr>
-          <a:xfrm>
-            <a:off x="827584" y="2807384"/>
-            <a:ext cx="3238500" cy="1095375"/>
-          </a:xfrm>
-          <a:prstGeom prst="rect">
-            <a:avLst/>
-          </a:prstGeom>
-        </p:spPr>
-      </p:pic>
-      <p:sp>
-        <p:nvSpPr>
-          <p:cNvPr id="19" name="TextBox 18"/>
-          <p:cNvSpPr txBox="1"/>
-          <p:nvPr/>
-        </p:nvSpPr>
-        <p:spPr>
-          <a:xfrm>
-            <a:off x="4644008" y="1218818"/>
-            <a:ext cx="3384376" cy="1754326"/>
-          </a:xfrm>
-          <a:prstGeom prst="rect">
-            <a:avLst/>
-          </a:prstGeom>
-          <a:noFill/>
-          <a:ln>
-            <a:solidFill>
-              <a:schemeClr val="tx1"/>
-            </a:solidFill>
-          </a:ln>
-        </p:spPr>
-        <p:txBody>
-          <a:bodyPr wrap="square" rtlCol="0">
-            <a:spAutoFit/>
-          </a:bodyPr>
-          <a:lstStyle/>
-          <a:p>
-            <a:r>
-              <a:rPr lang="ko-KR" altLang="en-US" dirty="0" smtClean="0"/>
-              <a:t>전압 </a:t>
-            </a:r>
-            <a:r>
-              <a:rPr lang="en-US" altLang="ko-KR" dirty="0" smtClean="0"/>
-              <a:t>Level </a:t>
-            </a:r>
-            <a:r>
-              <a:rPr lang="ko-KR" altLang="en-US" dirty="0" smtClean="0"/>
-              <a:t>설정</a:t>
-            </a:r>
-            <a:endParaRPr lang="en-US" altLang="ko-KR" dirty="0" smtClean="0"/>
-          </a:p>
-          <a:p>
-            <a:r>
-              <a:rPr lang="en-US" altLang="ko-KR" dirty="0" smtClean="0"/>
-              <a:t>Ex) LVCM0S33 [</a:t>
-            </a:r>
-            <a:r>
-              <a:rPr lang="en-US" altLang="ko-KR" dirty="0" err="1" smtClean="0"/>
-              <a:t>get_ports</a:t>
-            </a:r>
-            <a:r>
-              <a:rPr lang="en-US" altLang="ko-KR" dirty="0" smtClean="0"/>
-              <a:t> a]</a:t>
-            </a:r>
-          </a:p>
-          <a:p>
-            <a:r>
-              <a:rPr lang="en-US" altLang="ko-KR" dirty="0" smtClean="0"/>
-              <a:t>LVCM0S33 -&gt; 3.3V</a:t>
-            </a:r>
-          </a:p>
-          <a:p>
-            <a:r>
-              <a:rPr lang="en-US" altLang="ko-KR" dirty="0" smtClean="0"/>
-              <a:t>[</a:t>
-            </a:r>
-            <a:r>
-              <a:rPr lang="en-US" altLang="ko-KR" dirty="0" err="1" smtClean="0"/>
-              <a:t>get_ports</a:t>
-            </a:r>
-            <a:r>
-              <a:rPr lang="en-US" altLang="ko-KR" dirty="0" smtClean="0"/>
-              <a:t> a] -&gt; Port A</a:t>
-            </a:r>
-          </a:p>
-          <a:p>
-            <a:endParaRPr lang="en-US" altLang="ko-KR" dirty="0" smtClean="0"/>
-          </a:p>
-          <a:p>
-            <a:r>
-              <a:rPr lang="en-US" altLang="ko-KR" dirty="0" smtClean="0"/>
-              <a:t>=&gt; Port A</a:t>
-            </a:r>
-            <a:r>
-              <a:rPr lang="ko-KR" altLang="en-US" dirty="0" smtClean="0"/>
-              <a:t>에 전원은 </a:t>
-            </a:r>
-            <a:r>
-              <a:rPr lang="en-US" altLang="ko-KR" dirty="0" smtClean="0"/>
-              <a:t>3.3V</a:t>
-            </a:r>
-            <a:endParaRPr lang="ko-KR" altLang="en-US" dirty="0"/>
-          </a:p>
-        </p:txBody>
-      </p:sp>
-      <p:sp>
-        <p:nvSpPr>
-          <p:cNvPr id="20" name="직사각형 19"/>
-          <p:cNvSpPr/>
-          <p:nvPr/>
-        </p:nvSpPr>
-        <p:spPr>
-          <a:xfrm>
-            <a:off x="2298224" y="2780928"/>
-            <a:ext cx="1440160" cy="189568"/>
-          </a:xfrm>
-          <a:prstGeom prst="rect">
-            <a:avLst/>
-          </a:prstGeom>
-          <a:noFill/>
-          <a:ln>
-            <a:solidFill>
-              <a:srgbClr val="FF0000"/>
-            </a:solidFill>
-          </a:ln>
-        </p:spPr>
-        <p:style>
-          <a:lnRef idx="2">
-            <a:schemeClr val="accent1">
-              <a:shade val="50000"/>
-            </a:schemeClr>
-          </a:lnRef>
-          <a:fillRef idx="1">
-            <a:schemeClr val="accent1"/>
-          </a:fillRef>
-          <a:effectRef idx="0">
-            <a:schemeClr val="accent1"/>
-          </a:effectRef>
-          <a:fontRef idx="minor">
-            <a:schemeClr val="lt1"/>
-          </a:fontRef>
-        </p:style>
-        <p:txBody>
-          <a:bodyPr rtlCol="0" anchor="ctr"/>
-          <a:lstStyle/>
-          <a:p>
-            <a:pPr algn="ctr"/>
-            <a:endParaRPr lang="ko-KR" altLang="en-US"/>
-          </a:p>
-        </p:txBody>
-      </p:sp>
-      <p:sp>
-        <p:nvSpPr>
-          <p:cNvPr id="21" name="직사각형 20"/>
-          <p:cNvSpPr/>
-          <p:nvPr/>
-        </p:nvSpPr>
-        <p:spPr>
-          <a:xfrm>
-            <a:off x="2370232" y="3334223"/>
-            <a:ext cx="1152128" cy="189568"/>
-          </a:xfrm>
-          <a:prstGeom prst="rect">
-            <a:avLst/>
-          </a:prstGeom>
-          <a:noFill/>
-          <a:ln>
-            <a:solidFill>
-              <a:srgbClr val="FF0000"/>
-            </a:solidFill>
-          </a:ln>
-        </p:spPr>
-        <p:style>
-          <a:lnRef idx="2">
-            <a:schemeClr val="accent1">
-              <a:shade val="50000"/>
-            </a:schemeClr>
-          </a:lnRef>
-          <a:fillRef idx="1">
-            <a:schemeClr val="accent1"/>
-          </a:fillRef>
-          <a:effectRef idx="0">
-            <a:schemeClr val="accent1"/>
-          </a:effectRef>
-          <a:fontRef idx="minor">
-            <a:schemeClr val="lt1"/>
-          </a:fontRef>
-        </p:style>
-        <p:txBody>
-          <a:bodyPr rtlCol="0" anchor="ctr"/>
-          <a:lstStyle/>
-          <a:p>
-            <a:pPr algn="ctr"/>
-            <a:endParaRPr lang="ko-KR" altLang="en-US"/>
-          </a:p>
-        </p:txBody>
-      </p:sp>
-      <p:cxnSp>
-        <p:nvCxnSpPr>
-          <p:cNvPr id="25" name="직선 화살표 연결선 24"/>
-          <p:cNvCxnSpPr>
-            <a:stCxn id="19" idx="1"/>
-            <a:endCxn id="20" idx="3"/>
-          </p:cNvCxnSpPr>
-          <p:nvPr/>
-        </p:nvCxnSpPr>
-        <p:spPr>
-          <a:xfrm flipH="1">
-            <a:off x="3738384" y="2095981"/>
-            <a:ext cx="905624" cy="779731"/>
-          </a:xfrm>
-          <a:prstGeom prst="straightConnector1">
-            <a:avLst/>
-          </a:prstGeom>
-          <a:ln>
-            <a:solidFill>
-              <a:schemeClr val="tx1"/>
-            </a:solidFill>
-            <a:tailEnd type="triangle"/>
-          </a:ln>
-          <a:effectLst>
-            <a:outerShdw blurRad="50800" dist="38100" dir="2700000" algn="tl" rotWithShape="0">
-              <a:prstClr val="black">
-                <a:alpha val="40000"/>
-              </a:prstClr>
-            </a:outerShdw>
-          </a:effectLst>
-        </p:spPr>
-        <p:style>
-          <a:lnRef idx="1">
-            <a:schemeClr val="accent1"/>
-          </a:lnRef>
-          <a:fillRef idx="0">
-            <a:schemeClr val="accent1"/>
-          </a:fillRef>
-          <a:effectRef idx="0">
-            <a:schemeClr val="accent1"/>
-          </a:effectRef>
-          <a:fontRef idx="minor">
-            <a:schemeClr val="tx1"/>
-          </a:fontRef>
-        </p:style>
-      </p:cxnSp>
-      <p:sp>
-        <p:nvSpPr>
-          <p:cNvPr id="31" name="TextBox 30"/>
-          <p:cNvSpPr txBox="1"/>
-          <p:nvPr/>
-        </p:nvSpPr>
-        <p:spPr>
-          <a:xfrm>
-            <a:off x="4642832" y="3507324"/>
-            <a:ext cx="3384376" cy="1754326"/>
-          </a:xfrm>
-          <a:prstGeom prst="rect">
-            <a:avLst/>
-          </a:prstGeom>
-          <a:noFill/>
-          <a:ln>
-            <a:solidFill>
-              <a:schemeClr val="tx1"/>
-            </a:solidFill>
-          </a:ln>
-        </p:spPr>
-        <p:txBody>
-          <a:bodyPr wrap="square" rtlCol="0">
-            <a:spAutoFit/>
-          </a:bodyPr>
-          <a:lstStyle/>
-          <a:p>
-            <a:r>
-              <a:rPr lang="en-US" altLang="ko-KR" dirty="0" smtClean="0"/>
-              <a:t>Port </a:t>
-            </a:r>
-            <a:r>
-              <a:rPr lang="ko-KR" altLang="en-US" dirty="0" smtClean="0"/>
-              <a:t>설정</a:t>
-            </a:r>
-            <a:endParaRPr lang="en-US" altLang="ko-KR" dirty="0" smtClean="0"/>
-          </a:p>
-          <a:p>
-            <a:r>
-              <a:rPr lang="en-US" altLang="ko-KR" dirty="0" smtClean="0"/>
-              <a:t>Ex) Y16 [</a:t>
-            </a:r>
-            <a:r>
-              <a:rPr lang="en-US" altLang="ko-KR" dirty="0" err="1" smtClean="0"/>
-              <a:t>get_ports</a:t>
-            </a:r>
-            <a:r>
-              <a:rPr lang="en-US" altLang="ko-KR" dirty="0" smtClean="0"/>
-              <a:t> a]</a:t>
-            </a:r>
-          </a:p>
-          <a:p>
-            <a:r>
-              <a:rPr lang="en-US" altLang="ko-KR" dirty="0" smtClean="0"/>
-              <a:t>Y16 -&gt; Y16 Port</a:t>
-            </a:r>
-            <a:r>
-              <a:rPr lang="ko-KR" altLang="en-US" dirty="0" smtClean="0"/>
-              <a:t>로 설정</a:t>
-            </a:r>
-            <a:endParaRPr lang="en-US" altLang="ko-KR" dirty="0" smtClean="0"/>
-          </a:p>
-          <a:p>
-            <a:r>
-              <a:rPr lang="en-US" altLang="ko-KR" dirty="0" smtClean="0"/>
-              <a:t>[</a:t>
-            </a:r>
-            <a:r>
-              <a:rPr lang="en-US" altLang="ko-KR" dirty="0" err="1" smtClean="0"/>
-              <a:t>get_ports</a:t>
-            </a:r>
-            <a:r>
-              <a:rPr lang="en-US" altLang="ko-KR" dirty="0" smtClean="0"/>
-              <a:t> a] -&gt; Port A</a:t>
-            </a:r>
-          </a:p>
-          <a:p>
-            <a:endParaRPr lang="en-US" altLang="ko-KR" dirty="0"/>
-          </a:p>
-          <a:p>
-            <a:r>
-              <a:rPr lang="en-US" altLang="ko-KR" dirty="0" smtClean="0"/>
-              <a:t>=&gt; Y16</a:t>
-            </a:r>
-            <a:r>
-              <a:rPr lang="ko-KR" altLang="en-US" dirty="0" smtClean="0"/>
-              <a:t>를 </a:t>
-            </a:r>
-            <a:r>
-              <a:rPr lang="en-US" altLang="ko-KR" dirty="0" smtClean="0"/>
-              <a:t>Port A</a:t>
-            </a:r>
-            <a:r>
-              <a:rPr lang="ko-KR" altLang="en-US" dirty="0" smtClean="0"/>
-              <a:t>로 설정</a:t>
-            </a:r>
-            <a:endParaRPr lang="ko-KR" altLang="en-US" dirty="0"/>
-          </a:p>
-        </p:txBody>
-      </p:sp>
-      <p:cxnSp>
-        <p:nvCxnSpPr>
-          <p:cNvPr id="32" name="직선 화살표 연결선 31"/>
-          <p:cNvCxnSpPr>
-            <a:stCxn id="31" idx="1"/>
-            <a:endCxn id="21" idx="3"/>
-          </p:cNvCxnSpPr>
-          <p:nvPr/>
-        </p:nvCxnSpPr>
-        <p:spPr>
-          <a:xfrm flipH="1" flipV="1">
-            <a:off x="3522360" y="3429007"/>
-            <a:ext cx="1120472" cy="955480"/>
-          </a:xfrm>
-          <a:prstGeom prst="straightConnector1">
-            <a:avLst/>
-          </a:prstGeom>
-          <a:ln>
-            <a:solidFill>
-              <a:schemeClr val="tx1"/>
-            </a:solidFill>
-            <a:tailEnd type="triangle"/>
-          </a:ln>
-          <a:effectLst>
-            <a:outerShdw blurRad="50800" dist="38100" dir="2700000" algn="tl" rotWithShape="0">
-              <a:prstClr val="black">
-                <a:alpha val="40000"/>
-              </a:prstClr>
-            </a:outerShdw>
-          </a:effectLst>
-        </p:spPr>
-        <p:style>
-          <a:lnRef idx="1">
-            <a:schemeClr val="accent1"/>
-          </a:lnRef>
-          <a:fillRef idx="0">
-            <a:schemeClr val="accent1"/>
-          </a:fillRef>
-          <a:effectRef idx="0">
-            <a:schemeClr val="accent1"/>
-          </a:effectRef>
-          <a:fontRef idx="minor">
-            <a:schemeClr val="tx1"/>
-          </a:fontRef>
-        </p:style>
-      </p:cxnSp>
-    </p:spTree>
-    <p:extLst>
-      <p:ext uri="{BB962C8B-B14F-4D97-AF65-F5344CB8AC3E}">
-        <p14:creationId xmlns:p14="http://schemas.microsoft.com/office/powerpoint/2010/main" val="2860599079"/>
-      </p:ext>
-    </p:extLst>
-  </p:cSld>
-  <p:clrMapOvr>
-    <a:masterClrMapping/>
-  </p:clrMapOvr>
-  <p:timing>
-    <p:tnLst>
-      <p:par>
-        <p:cTn id="1" dur="indefinite" restart="never" nodeType="tmRoot"/>
-      </p:par>
-    </p:tnLst>
-  </p:timing>
-</p:sld>
-</file>
-
-<file path=ppt/slides/slide7.xml><?xml version="1.0" encoding="utf-8"?>
-<p:sld xmlns:a="http://schemas.openxmlformats.org/drawingml/2006/main" xmlns:r="http://schemas.openxmlformats.org/officeDocument/2006/relationships" xmlns:p="http://schemas.openxmlformats.org/presentationml/2006/main">
-  <p:cSld>
-    <p:spTree>
-      <p:nvGrpSpPr>
-        <p:cNvPr id="1" name=""/>
-        <p:cNvGrpSpPr/>
-        <p:nvPr/>
-      </p:nvGrpSpPr>
-      <p:grpSpPr>
-        <a:xfrm>
-          <a:off x="0" y="0"/>
-          <a:ext cx="0" cy="0"/>
-          <a:chOff x="0" y="0"/>
-          <a:chExt cx="0" cy="0"/>
-        </a:xfrm>
-      </p:grpSpPr>
-      <p:sp>
-        <p:nvSpPr>
-          <p:cNvPr id="5" name="제목 4"/>
-          <p:cNvSpPr>
-            <a:spLocks noGrp="1"/>
-          </p:cNvSpPr>
-          <p:nvPr>
-            <p:ph type="title"/>
-          </p:nvPr>
-        </p:nvSpPr>
-        <p:spPr/>
-        <p:txBody>
-          <a:bodyPr/>
-          <a:lstStyle/>
-          <a:p>
-            <a:r>
-              <a:rPr lang="en-US" altLang="ko-KR" dirty="0" smtClean="0"/>
-              <a:t>3. </a:t>
-            </a:r>
-            <a:r>
-              <a:rPr lang="en-US" altLang="ko-KR" dirty="0" smtClean="0"/>
-              <a:t>RTL </a:t>
-            </a:r>
-            <a:r>
-              <a:rPr lang="ko-KR" altLang="en-US" dirty="0" smtClean="0"/>
-              <a:t>합성 및 구현</a:t>
-            </a:r>
-            <a:endParaRPr lang="ko-KR" altLang="en-US" dirty="0"/>
-          </a:p>
-        </p:txBody>
-      </p:sp>
-      <p:sp>
-        <p:nvSpPr>
-          <p:cNvPr id="3" name="TextBox 2"/>
-          <p:cNvSpPr txBox="1"/>
-          <p:nvPr/>
-        </p:nvSpPr>
-        <p:spPr>
-          <a:xfrm>
-            <a:off x="539552" y="764704"/>
-            <a:ext cx="7920880" cy="646331"/>
-          </a:xfrm>
-          <a:prstGeom prst="rect">
-            <a:avLst/>
-          </a:prstGeom>
-          <a:noFill/>
-        </p:spPr>
-        <p:txBody>
-          <a:bodyPr wrap="square" rtlCol="0">
-            <a:spAutoFit/>
-          </a:bodyPr>
-          <a:lstStyle/>
-          <a:p>
-            <a:r>
-              <a:rPr lang="en-US" altLang="ko-KR" dirty="0" smtClean="0"/>
-              <a:t>1.Synthesis</a:t>
-            </a:r>
-          </a:p>
-          <a:p>
-            <a:r>
-              <a:rPr lang="en-US" altLang="ko-KR" dirty="0" smtClean="0"/>
-              <a:t>implementation </a:t>
-            </a:r>
-            <a:endParaRPr lang="ko-KR" altLang="en-US" dirty="0"/>
-          </a:p>
-        </p:txBody>
-      </p:sp>
-    </p:spTree>
-    <p:extLst>
-      <p:ext uri="{BB962C8B-B14F-4D97-AF65-F5344CB8AC3E}">
-        <p14:creationId xmlns:p14="http://schemas.microsoft.com/office/powerpoint/2010/main" val="292566546"/>
-      </p:ext>
-    </p:extLst>
-  </p:cSld>
-  <p:clrMapOvr>
-    <a:masterClrMapping/>
-  </p:clrMapOvr>
-  <p:timing>
-    <p:tnLst>
-      <p:par>
-        <p:cTn id="1" dur="indefinite" restart="never" nodeType="tmRoot"/>
-      </p:par>
-    </p:tnLst>
-  </p:timing>
-</p:sld>
-</file>
-
-<file path=ppt/slides/slide8.xml><?xml version="1.0" encoding="utf-8"?>
-<p:sld xmlns:a="http://schemas.openxmlformats.org/drawingml/2006/main" xmlns:r="http://schemas.openxmlformats.org/officeDocument/2006/relationships" xmlns:p="http://schemas.openxmlformats.org/presentationml/2006/main">
-  <p:cSld>
-    <p:spTree>
-      <p:nvGrpSpPr>
-        <p:cNvPr id="1" name=""/>
-        <p:cNvGrpSpPr/>
-        <p:nvPr/>
-      </p:nvGrpSpPr>
-      <p:grpSpPr>
-        <a:xfrm>
-          <a:off x="0" y="0"/>
-          <a:ext cx="0" cy="0"/>
-          <a:chOff x="0" y="0"/>
-          <a:chExt cx="0" cy="0"/>
-        </a:xfrm>
-      </p:grpSpPr>
-      <p:sp>
-        <p:nvSpPr>
-          <p:cNvPr id="2" name="슬라이드 번호 개체 틀 1"/>
-          <p:cNvSpPr>
-            <a:spLocks noGrp="1"/>
-          </p:cNvSpPr>
-          <p:nvPr>
-            <p:ph type="sldNum" sz="quarter" idx="12"/>
-          </p:nvPr>
-        </p:nvSpPr>
-        <p:spPr>
-          <a:xfrm>
-            <a:off x="8494388" y="6581887"/>
-            <a:ext cx="714348" cy="365125"/>
-          </a:xfrm>
-        </p:spPr>
-        <p:txBody>
-          <a:bodyPr/>
-          <a:lstStyle/>
-          <a:p>
-            <a:fld id="{37BF4AA1-2B5D-4FE3-8E3E-9FFA45C2E7C9}" type="slidenum">
-              <a:rPr lang="ko-KR" altLang="en-US" smtClean="0"/>
-              <a:pPr/>
-              <a:t>8</a:t>
-            </a:fld>
-            <a:endParaRPr lang="ko-KR" altLang="en-US" dirty="0"/>
-          </a:p>
-        </p:txBody>
-      </p:sp>
-      <p:sp>
-        <p:nvSpPr>
-          <p:cNvPr id="5" name="제목 4"/>
-          <p:cNvSpPr>
-            <a:spLocks noGrp="1"/>
-          </p:cNvSpPr>
-          <p:nvPr>
-            <p:ph type="title"/>
-          </p:nvPr>
-        </p:nvSpPr>
-        <p:spPr>
-          <a:xfrm>
-            <a:off x="397898" y="48552"/>
-            <a:ext cx="6190325" cy="582594"/>
-          </a:xfrm>
-        </p:spPr>
-        <p:txBody>
-          <a:bodyPr/>
-          <a:lstStyle/>
-          <a:p>
-            <a:r>
-              <a:rPr lang="en-US" altLang="ko-KR" dirty="0" smtClean="0"/>
-              <a:t>4. </a:t>
-            </a:r>
-            <a:r>
-              <a:rPr lang="en-US" altLang="ko-KR" dirty="0" smtClean="0"/>
-              <a:t>Verilog HDL </a:t>
-            </a:r>
-            <a:r>
-              <a:rPr lang="ko-KR" altLang="en-US" dirty="0" smtClean="0"/>
-              <a:t>예제 </a:t>
-            </a:r>
-            <a:r>
-              <a:rPr lang="en-US" altLang="ko-KR" dirty="0" smtClean="0"/>
-              <a:t>– GPIO </a:t>
-            </a:r>
-            <a:r>
-              <a:rPr lang="ko-KR" altLang="en-US" dirty="0" smtClean="0"/>
-              <a:t>제어</a:t>
-            </a:r>
-            <a:endParaRPr lang="ko-KR" altLang="en-US" dirty="0"/>
-          </a:p>
-        </p:txBody>
-      </p:sp>
-      <p:sp>
-        <p:nvSpPr>
-          <p:cNvPr id="4" name="TextBox 3"/>
-          <p:cNvSpPr txBox="1"/>
-          <p:nvPr/>
-        </p:nvSpPr>
-        <p:spPr>
-          <a:xfrm>
-            <a:off x="397898" y="631146"/>
-            <a:ext cx="4608512" cy="369332"/>
-          </a:xfrm>
-          <a:prstGeom prst="rect">
-            <a:avLst/>
-          </a:prstGeom>
-          <a:noFill/>
-        </p:spPr>
-        <p:txBody>
-          <a:bodyPr wrap="square" rtlCol="0">
-            <a:spAutoFit/>
-          </a:bodyPr>
-          <a:lstStyle/>
-          <a:p>
-            <a:pPr lvl="1"/>
-            <a:r>
-              <a:rPr lang="en-US" altLang="ko-KR" dirty="0" smtClean="0"/>
-              <a:t>1) GPIO </a:t>
-            </a:r>
-            <a:r>
-              <a:rPr lang="ko-KR" altLang="en-US" dirty="0" smtClean="0"/>
-              <a:t>제어</a:t>
-            </a:r>
-            <a:r>
-              <a:rPr lang="en-US" altLang="ko-KR" dirty="0" smtClean="0"/>
-              <a:t>( LED ON–OFF )</a:t>
-            </a:r>
-            <a:endParaRPr lang="en-US" altLang="ko-KR" dirty="0"/>
-          </a:p>
-        </p:txBody>
-      </p:sp>
-    </p:spTree>
-    <p:extLst>
-      <p:ext uri="{BB962C8B-B14F-4D97-AF65-F5344CB8AC3E}">
-        <p14:creationId xmlns:p14="http://schemas.microsoft.com/office/powerpoint/2010/main" val="91256711"/>
       </p:ext>
     </p:extLst>
   </p:cSld>
@@ -5816,19 +6330,22 @@
             <p:ph type="title"/>
           </p:nvPr>
         </p:nvSpPr>
-        <p:spPr>
-          <a:xfrm>
-            <a:off x="397898" y="48552"/>
-            <a:ext cx="6190325" cy="582594"/>
-          </a:xfrm>
-        </p:spPr>
+        <p:spPr/>
         <p:txBody>
           <a:bodyPr/>
           <a:lstStyle/>
           <a:p>
             <a:r>
+              <a:rPr lang="en-US" altLang="ko-KR" dirty="0" smtClean="0"/>
+              <a:t>4. Verilog </a:t>
+            </a:r>
+            <a:r>
               <a:rPr lang="ko-KR" altLang="en-US" dirty="0" smtClean="0"/>
-              <a:t>추후 발표 내용</a:t>
+              <a:t>기본 문법 </a:t>
+            </a:r>
+            <a:r>
+              <a:rPr lang="en-US" altLang="ko-KR" dirty="0" smtClean="0"/>
+              <a:t>- 3</a:t>
             </a:r>
             <a:endParaRPr lang="ko-KR" altLang="en-US" dirty="0"/>
           </a:p>
@@ -5836,14 +6353,14 @@
       </p:sp>
       <p:sp>
         <p:nvSpPr>
-          <p:cNvPr id="3" name="TextBox 2"/>
+          <p:cNvPr id="8" name="TextBox 7"/>
           <p:cNvSpPr txBox="1"/>
           <p:nvPr/>
         </p:nvSpPr>
         <p:spPr>
           <a:xfrm>
-            <a:off x="1475656" y="2060848"/>
-            <a:ext cx="6192688" cy="1323439"/>
+            <a:off x="397899" y="764704"/>
+            <a:ext cx="8278557" cy="369332"/>
           </a:xfrm>
           <a:prstGeom prst="rect">
             <a:avLst/>
@@ -5856,19 +6373,440 @@
           </a:bodyPr>
           <a:lstStyle/>
           <a:p>
+            <a:pPr marL="342900" indent="-342900">
+              <a:buAutoNum type="arabicParenR"/>
+            </a:pPr>
+            <a:r>
+              <a:rPr lang="ko-KR" altLang="en-US" dirty="0" smtClean="0"/>
+              <a:t>전압 </a:t>
+            </a:r>
+            <a:r>
+              <a:rPr lang="en-US" altLang="ko-KR" dirty="0" smtClean="0"/>
+              <a:t>Level </a:t>
+            </a:r>
+            <a:r>
+              <a:rPr lang="ko-KR" altLang="en-US" dirty="0" smtClean="0"/>
+              <a:t>및 </a:t>
+            </a:r>
+            <a:r>
+              <a:rPr lang="en-US" altLang="ko-KR" dirty="0" smtClean="0"/>
+              <a:t>Port </a:t>
+            </a:r>
+            <a:r>
+              <a:rPr lang="ko-KR" altLang="en-US" dirty="0" smtClean="0"/>
+              <a:t>설정</a:t>
+            </a:r>
+            <a:endParaRPr lang="en-US" altLang="ko-KR" dirty="0" smtClean="0"/>
+          </a:p>
+        </p:txBody>
+      </p:sp>
+      <p:pic>
+        <p:nvPicPr>
+          <p:cNvPr id="7" name="그림 6"/>
+          <p:cNvPicPr>
+            <a:picLocks noChangeAspect="1"/>
+          </p:cNvPicPr>
+          <p:nvPr/>
+        </p:nvPicPr>
+        <p:blipFill>
+          <a:blip r:embed="rId2"/>
+          <a:stretch>
+            <a:fillRect/>
+          </a:stretch>
+        </p:blipFill>
+        <p:spPr>
+          <a:xfrm>
+            <a:off x="827584" y="2807384"/>
+            <a:ext cx="3238500" cy="1095375"/>
+          </a:xfrm>
+          <a:prstGeom prst="rect">
+            <a:avLst/>
+          </a:prstGeom>
+        </p:spPr>
+      </p:pic>
+      <p:sp>
+        <p:nvSpPr>
+          <p:cNvPr id="19" name="TextBox 18"/>
+          <p:cNvSpPr txBox="1"/>
+          <p:nvPr/>
+        </p:nvSpPr>
+        <p:spPr>
+          <a:xfrm>
+            <a:off x="4644008" y="1218818"/>
+            <a:ext cx="3384376" cy="1754326"/>
+          </a:xfrm>
+          <a:prstGeom prst="rect">
+            <a:avLst/>
+          </a:prstGeom>
+          <a:noFill/>
+          <a:ln>
+            <a:solidFill>
+              <a:schemeClr val="tx1"/>
+            </a:solidFill>
+          </a:ln>
+        </p:spPr>
+        <p:txBody>
+          <a:bodyPr wrap="square" rtlCol="0">
+            <a:spAutoFit/>
+          </a:bodyPr>
+          <a:lstStyle/>
+          <a:p>
+            <a:r>
+              <a:rPr lang="ko-KR" altLang="en-US" dirty="0" smtClean="0"/>
+              <a:t>전압 </a:t>
+            </a:r>
+            <a:r>
+              <a:rPr lang="en-US" altLang="ko-KR" dirty="0" smtClean="0"/>
+              <a:t>Level </a:t>
+            </a:r>
+            <a:r>
+              <a:rPr lang="ko-KR" altLang="en-US" dirty="0" smtClean="0"/>
+              <a:t>설정</a:t>
+            </a:r>
+            <a:endParaRPr lang="en-US" altLang="ko-KR" dirty="0" smtClean="0"/>
+          </a:p>
+          <a:p>
+            <a:r>
+              <a:rPr lang="en-US" altLang="ko-KR" dirty="0" smtClean="0"/>
+              <a:t>Ex) LVCM0S33 [</a:t>
+            </a:r>
+            <a:r>
+              <a:rPr lang="en-US" altLang="ko-KR" dirty="0" err="1" smtClean="0"/>
+              <a:t>get_ports</a:t>
+            </a:r>
+            <a:r>
+              <a:rPr lang="en-US" altLang="ko-KR" dirty="0" smtClean="0"/>
+              <a:t> a]</a:t>
+            </a:r>
+          </a:p>
+          <a:p>
+            <a:r>
+              <a:rPr lang="en-US" altLang="ko-KR" dirty="0" smtClean="0"/>
+              <a:t>LVCM0S33 -&gt; 3.3V</a:t>
+            </a:r>
+          </a:p>
+          <a:p>
+            <a:r>
+              <a:rPr lang="en-US" altLang="ko-KR" dirty="0" smtClean="0"/>
+              <a:t>[</a:t>
+            </a:r>
+            <a:r>
+              <a:rPr lang="en-US" altLang="ko-KR" dirty="0" err="1" smtClean="0"/>
+              <a:t>get_ports</a:t>
+            </a:r>
+            <a:r>
+              <a:rPr lang="en-US" altLang="ko-KR" dirty="0" smtClean="0"/>
+              <a:t> a] -&gt; Port A</a:t>
+            </a:r>
+          </a:p>
+          <a:p>
+            <a:endParaRPr lang="en-US" altLang="ko-KR" dirty="0" smtClean="0"/>
+          </a:p>
+          <a:p>
+            <a:r>
+              <a:rPr lang="en-US" altLang="ko-KR" dirty="0" smtClean="0"/>
+              <a:t>=&gt; Port A</a:t>
+            </a:r>
+            <a:r>
+              <a:rPr lang="ko-KR" altLang="en-US" dirty="0" smtClean="0"/>
+              <a:t>에 전원은 </a:t>
+            </a:r>
+            <a:r>
+              <a:rPr lang="en-US" altLang="ko-KR" dirty="0" smtClean="0"/>
+              <a:t>3.3V</a:t>
+            </a:r>
+            <a:endParaRPr lang="ko-KR" altLang="en-US" dirty="0"/>
+          </a:p>
+        </p:txBody>
+      </p:sp>
+      <p:sp>
+        <p:nvSpPr>
+          <p:cNvPr id="20" name="직사각형 19"/>
+          <p:cNvSpPr/>
+          <p:nvPr/>
+        </p:nvSpPr>
+        <p:spPr>
+          <a:xfrm>
+            <a:off x="2298224" y="2780928"/>
+            <a:ext cx="1440160" cy="189568"/>
+          </a:xfrm>
+          <a:prstGeom prst="rect">
+            <a:avLst/>
+          </a:prstGeom>
+          <a:noFill/>
+          <a:ln>
+            <a:solidFill>
+              <a:srgbClr val="FF0000"/>
+            </a:solidFill>
+          </a:ln>
+        </p:spPr>
+        <p:style>
+          <a:lnRef idx="2">
+            <a:schemeClr val="accent1">
+              <a:shade val="50000"/>
+            </a:schemeClr>
+          </a:lnRef>
+          <a:fillRef idx="1">
+            <a:schemeClr val="accent1"/>
+          </a:fillRef>
+          <a:effectRef idx="0">
+            <a:schemeClr val="accent1"/>
+          </a:effectRef>
+          <a:fontRef idx="minor">
+            <a:schemeClr val="lt1"/>
+          </a:fontRef>
+        </p:style>
+        <p:txBody>
+          <a:bodyPr rtlCol="0" anchor="ctr"/>
+          <a:lstStyle/>
+          <a:p>
             <a:pPr algn="ctr"/>
-            <a:r>
-              <a:rPr lang="en-US" altLang="ko-KR" sz="8000" dirty="0" smtClean="0"/>
-              <a:t>AXI Interface</a:t>
-            </a:r>
-            <a:endParaRPr lang="ko-KR" altLang="en-US" sz="8000" dirty="0"/>
+            <a:endParaRPr lang="ko-KR" altLang="en-US"/>
           </a:p>
         </p:txBody>
       </p:sp>
+      <p:sp>
+        <p:nvSpPr>
+          <p:cNvPr id="21" name="직사각형 20"/>
+          <p:cNvSpPr/>
+          <p:nvPr/>
+        </p:nvSpPr>
+        <p:spPr>
+          <a:xfrm>
+            <a:off x="2370232" y="3334223"/>
+            <a:ext cx="1152128" cy="189568"/>
+          </a:xfrm>
+          <a:prstGeom prst="rect">
+            <a:avLst/>
+          </a:prstGeom>
+          <a:noFill/>
+          <a:ln>
+            <a:solidFill>
+              <a:srgbClr val="FF0000"/>
+            </a:solidFill>
+          </a:ln>
+        </p:spPr>
+        <p:style>
+          <a:lnRef idx="2">
+            <a:schemeClr val="accent1">
+              <a:shade val="50000"/>
+            </a:schemeClr>
+          </a:lnRef>
+          <a:fillRef idx="1">
+            <a:schemeClr val="accent1"/>
+          </a:fillRef>
+          <a:effectRef idx="0">
+            <a:schemeClr val="accent1"/>
+          </a:effectRef>
+          <a:fontRef idx="minor">
+            <a:schemeClr val="lt1"/>
+          </a:fontRef>
+        </p:style>
+        <p:txBody>
+          <a:bodyPr rtlCol="0" anchor="ctr"/>
+          <a:lstStyle/>
+          <a:p>
+            <a:pPr algn="ctr"/>
+            <a:endParaRPr lang="ko-KR" altLang="en-US"/>
+          </a:p>
+        </p:txBody>
+      </p:sp>
+      <p:cxnSp>
+        <p:nvCxnSpPr>
+          <p:cNvPr id="25" name="직선 화살표 연결선 24"/>
+          <p:cNvCxnSpPr>
+            <a:stCxn id="19" idx="1"/>
+            <a:endCxn id="20" idx="3"/>
+          </p:cNvCxnSpPr>
+          <p:nvPr/>
+        </p:nvCxnSpPr>
+        <p:spPr>
+          <a:xfrm flipH="1">
+            <a:off x="3738384" y="2095981"/>
+            <a:ext cx="905624" cy="779731"/>
+          </a:xfrm>
+          <a:prstGeom prst="straightConnector1">
+            <a:avLst/>
+          </a:prstGeom>
+          <a:ln>
+            <a:solidFill>
+              <a:schemeClr val="tx1"/>
+            </a:solidFill>
+            <a:tailEnd type="triangle"/>
+          </a:ln>
+          <a:effectLst>
+            <a:outerShdw blurRad="50800" dist="38100" dir="2700000" algn="tl" rotWithShape="0">
+              <a:prstClr val="black">
+                <a:alpha val="40000"/>
+              </a:prstClr>
+            </a:outerShdw>
+          </a:effectLst>
+        </p:spPr>
+        <p:style>
+          <a:lnRef idx="1">
+            <a:schemeClr val="accent1"/>
+          </a:lnRef>
+          <a:fillRef idx="0">
+            <a:schemeClr val="accent1"/>
+          </a:fillRef>
+          <a:effectRef idx="0">
+            <a:schemeClr val="accent1"/>
+          </a:effectRef>
+          <a:fontRef idx="minor">
+            <a:schemeClr val="tx1"/>
+          </a:fontRef>
+        </p:style>
+      </p:cxnSp>
+      <p:sp>
+        <p:nvSpPr>
+          <p:cNvPr id="31" name="TextBox 30"/>
+          <p:cNvSpPr txBox="1"/>
+          <p:nvPr/>
+        </p:nvSpPr>
+        <p:spPr>
+          <a:xfrm>
+            <a:off x="4642832" y="3507324"/>
+            <a:ext cx="3384376" cy="1754326"/>
+          </a:xfrm>
+          <a:prstGeom prst="rect">
+            <a:avLst/>
+          </a:prstGeom>
+          <a:noFill/>
+          <a:ln>
+            <a:solidFill>
+              <a:schemeClr val="tx1"/>
+            </a:solidFill>
+          </a:ln>
+        </p:spPr>
+        <p:txBody>
+          <a:bodyPr wrap="square" rtlCol="0">
+            <a:spAutoFit/>
+          </a:bodyPr>
+          <a:lstStyle/>
+          <a:p>
+            <a:r>
+              <a:rPr lang="en-US" altLang="ko-KR" dirty="0" smtClean="0"/>
+              <a:t>Port </a:t>
+            </a:r>
+            <a:r>
+              <a:rPr lang="ko-KR" altLang="en-US" dirty="0" smtClean="0"/>
+              <a:t>설정</a:t>
+            </a:r>
+            <a:endParaRPr lang="en-US" altLang="ko-KR" dirty="0" smtClean="0"/>
+          </a:p>
+          <a:p>
+            <a:r>
+              <a:rPr lang="en-US" altLang="ko-KR" dirty="0" smtClean="0"/>
+              <a:t>Ex) Y16 [</a:t>
+            </a:r>
+            <a:r>
+              <a:rPr lang="en-US" altLang="ko-KR" dirty="0" err="1" smtClean="0"/>
+              <a:t>get_ports</a:t>
+            </a:r>
+            <a:r>
+              <a:rPr lang="en-US" altLang="ko-KR" dirty="0" smtClean="0"/>
+              <a:t> a]</a:t>
+            </a:r>
+          </a:p>
+          <a:p>
+            <a:r>
+              <a:rPr lang="en-US" altLang="ko-KR" dirty="0" smtClean="0"/>
+              <a:t>Y16 -&gt; Y16 Port</a:t>
+            </a:r>
+            <a:r>
+              <a:rPr lang="ko-KR" altLang="en-US" dirty="0" smtClean="0"/>
+              <a:t>로 설정</a:t>
+            </a:r>
+            <a:endParaRPr lang="en-US" altLang="ko-KR" dirty="0" smtClean="0"/>
+          </a:p>
+          <a:p>
+            <a:r>
+              <a:rPr lang="en-US" altLang="ko-KR" dirty="0" smtClean="0"/>
+              <a:t>[</a:t>
+            </a:r>
+            <a:r>
+              <a:rPr lang="en-US" altLang="ko-KR" dirty="0" err="1" smtClean="0"/>
+              <a:t>get_ports</a:t>
+            </a:r>
+            <a:r>
+              <a:rPr lang="en-US" altLang="ko-KR" dirty="0" smtClean="0"/>
+              <a:t> a] -&gt; Port A</a:t>
+            </a:r>
+          </a:p>
+          <a:p>
+            <a:endParaRPr lang="en-US" altLang="ko-KR" dirty="0"/>
+          </a:p>
+          <a:p>
+            <a:r>
+              <a:rPr lang="en-US" altLang="ko-KR" dirty="0" smtClean="0"/>
+              <a:t>=&gt; Y16</a:t>
+            </a:r>
+            <a:r>
+              <a:rPr lang="ko-KR" altLang="en-US" dirty="0" smtClean="0"/>
+              <a:t>를 </a:t>
+            </a:r>
+            <a:r>
+              <a:rPr lang="en-US" altLang="ko-KR" dirty="0" smtClean="0"/>
+              <a:t>Port A</a:t>
+            </a:r>
+            <a:r>
+              <a:rPr lang="ko-KR" altLang="en-US" dirty="0" smtClean="0"/>
+              <a:t>로 설정</a:t>
+            </a:r>
+            <a:endParaRPr lang="ko-KR" altLang="en-US" dirty="0"/>
+          </a:p>
+        </p:txBody>
+      </p:sp>
+      <p:cxnSp>
+        <p:nvCxnSpPr>
+          <p:cNvPr id="32" name="직선 화살표 연결선 31"/>
+          <p:cNvCxnSpPr>
+            <a:stCxn id="31" idx="1"/>
+            <a:endCxn id="21" idx="3"/>
+          </p:cNvCxnSpPr>
+          <p:nvPr/>
+        </p:nvCxnSpPr>
+        <p:spPr>
+          <a:xfrm flipH="1" flipV="1">
+            <a:off x="3522360" y="3429007"/>
+            <a:ext cx="1120472" cy="955480"/>
+          </a:xfrm>
+          <a:prstGeom prst="straightConnector1">
+            <a:avLst/>
+          </a:prstGeom>
+          <a:ln>
+            <a:solidFill>
+              <a:schemeClr val="tx1"/>
+            </a:solidFill>
+            <a:tailEnd type="triangle"/>
+          </a:ln>
+          <a:effectLst>
+            <a:outerShdw blurRad="50800" dist="38100" dir="2700000" algn="tl" rotWithShape="0">
+              <a:prstClr val="black">
+                <a:alpha val="40000"/>
+              </a:prstClr>
+            </a:outerShdw>
+          </a:effectLst>
+        </p:spPr>
+        <p:style>
+          <a:lnRef idx="1">
+            <a:schemeClr val="accent1"/>
+          </a:lnRef>
+          <a:fillRef idx="0">
+            <a:schemeClr val="accent1"/>
+          </a:fillRef>
+          <a:effectRef idx="0">
+            <a:schemeClr val="accent1"/>
+          </a:effectRef>
+          <a:fontRef idx="minor">
+            <a:schemeClr val="tx1"/>
+          </a:fontRef>
+        </p:style>
+      </p:cxnSp>
     </p:spTree>
     <p:extLst>
       <p:ext uri="{BB962C8B-B14F-4D97-AF65-F5344CB8AC3E}">
-        <p14:creationId xmlns:p14="http://schemas.microsoft.com/office/powerpoint/2010/main" val="2701177985"/>
+        <p14:creationId xmlns:p14="http://schemas.microsoft.com/office/powerpoint/2010/main" val="2860599079"/>
       </p:ext>
     </p:extLst>
   </p:cSld>
